--- a/hci.pptx
+++ b/hci.pptx
@@ -923,10 +923,9 @@
         <a:lstStyle/>
         <a:p>
           <a:r>
-            <a:rPr lang="pt-BR" sz="1600" dirty="0" smtClean="0"/>
+            <a:rPr lang="pt-BR" sz="1600" dirty="0"/>
             <a:t>FACILIDADE DE APRENDIZAGEM</a:t>
           </a:r>
-          <a:endParaRPr lang="pt-BR" sz="1600" dirty="0"/>
         </a:p>
       </dgm:t>
     </dgm:pt>
@@ -960,10 +959,9 @@
         <a:lstStyle/>
         <a:p>
           <a:r>
-            <a:rPr lang="pt-BR" sz="1600" dirty="0" smtClean="0"/>
+            <a:rPr lang="pt-BR" sz="1600" dirty="0"/>
             <a:t>FACILIDADE DE UTILIZAÇÃO</a:t>
           </a:r>
-          <a:endParaRPr lang="pt-BR" sz="1600" dirty="0"/>
         </a:p>
       </dgm:t>
     </dgm:pt>
@@ -997,10 +995,9 @@
         <a:lstStyle/>
         <a:p>
           <a:r>
-            <a:rPr lang="pt-BR" sz="1600" dirty="0" smtClean="0"/>
+            <a:rPr lang="pt-BR" sz="1600" dirty="0"/>
             <a:t>FACILIDADE DE MEMORIZAÇÃO</a:t>
           </a:r>
-          <a:endParaRPr lang="pt-BR" sz="1600" dirty="0"/>
         </a:p>
       </dgm:t>
     </dgm:pt>
@@ -1034,10 +1031,9 @@
         <a:lstStyle/>
         <a:p>
           <a:r>
-            <a:rPr lang="pt-BR" sz="1600" dirty="0" smtClean="0"/>
+            <a:rPr lang="pt-BR" sz="1600" dirty="0"/>
             <a:t>POUCOS ERROS</a:t>
           </a:r>
-          <a:endParaRPr lang="pt-BR" sz="1600" dirty="0"/>
         </a:p>
       </dgm:t>
     </dgm:pt>
@@ -1071,10 +1067,9 @@
         <a:lstStyle/>
         <a:p>
           <a:r>
-            <a:rPr lang="pt-BR" sz="1600" dirty="0" smtClean="0"/>
+            <a:rPr lang="pt-BR" sz="1600" dirty="0"/>
             <a:t>SATISTAÇÃO SUBJETIVA</a:t>
           </a:r>
-          <a:endParaRPr lang="pt-BR" sz="1600" dirty="0"/>
         </a:p>
       </dgm:t>
     </dgm:pt>
@@ -1108,13 +1103,6 @@
         </dgm:presLayoutVars>
       </dgm:prSet>
       <dgm:spPr/>
-      <dgm:t>
-        <a:bodyPr/>
-        <a:lstStyle/>
-        <a:p>
-          <a:endParaRPr lang="pt-BR"/>
-        </a:p>
-      </dgm:t>
     </dgm:pt>
     <dgm:pt modelId="{9EF6929B-1634-4084-BC90-21F3C8138EF2}" type="pres">
       <dgm:prSet presAssocID="{EDF0DD32-1CD9-451C-A7DC-EEA77ED6675C}" presName="node" presStyleLbl="node1" presStyleIdx="0" presStyleCnt="5" custScaleX="115731">
@@ -1123,35 +1111,14 @@
         </dgm:presLayoutVars>
       </dgm:prSet>
       <dgm:spPr/>
-      <dgm:t>
-        <a:bodyPr/>
-        <a:lstStyle/>
-        <a:p>
-          <a:endParaRPr lang="pt-BR"/>
-        </a:p>
-      </dgm:t>
     </dgm:pt>
     <dgm:pt modelId="{950BB519-F552-4F2B-A63E-F1986AA010E1}" type="pres">
       <dgm:prSet presAssocID="{EDF0DD32-1CD9-451C-A7DC-EEA77ED6675C}" presName="spNode" presStyleCnt="0"/>
       <dgm:spPr/>
-      <dgm:t>
-        <a:bodyPr/>
-        <a:lstStyle/>
-        <a:p>
-          <a:endParaRPr lang="pt-BR"/>
-        </a:p>
-      </dgm:t>
     </dgm:pt>
     <dgm:pt modelId="{2B7B24E4-E579-4119-9BC1-7AA1B1941EEE}" type="pres">
       <dgm:prSet presAssocID="{8C0CACFF-DC4A-47FB-B455-A933BAC89381}" presName="sibTrans" presStyleLbl="sibTrans1D1" presStyleIdx="0" presStyleCnt="5"/>
       <dgm:spPr/>
-      <dgm:t>
-        <a:bodyPr/>
-        <a:lstStyle/>
-        <a:p>
-          <a:endParaRPr lang="pt-BR"/>
-        </a:p>
-      </dgm:t>
     </dgm:pt>
     <dgm:pt modelId="{0C408F32-ED2E-40D9-981A-10DB7D5355FC}" type="pres">
       <dgm:prSet presAssocID="{A1529EC1-4F2D-49E6-B4FE-C712A53006AD}" presName="node" presStyleLbl="node1" presStyleIdx="1" presStyleCnt="5">
@@ -1160,35 +1127,14 @@
         </dgm:presLayoutVars>
       </dgm:prSet>
       <dgm:spPr/>
-      <dgm:t>
-        <a:bodyPr/>
-        <a:lstStyle/>
-        <a:p>
-          <a:endParaRPr lang="pt-BR"/>
-        </a:p>
-      </dgm:t>
     </dgm:pt>
     <dgm:pt modelId="{E7899C20-3A58-4AA6-AF36-8E7E164E8E20}" type="pres">
       <dgm:prSet presAssocID="{A1529EC1-4F2D-49E6-B4FE-C712A53006AD}" presName="spNode" presStyleCnt="0"/>
       <dgm:spPr/>
-      <dgm:t>
-        <a:bodyPr/>
-        <a:lstStyle/>
-        <a:p>
-          <a:endParaRPr lang="pt-BR"/>
-        </a:p>
-      </dgm:t>
     </dgm:pt>
     <dgm:pt modelId="{24F1BB6A-717E-4629-A94E-88723B6BBB29}" type="pres">
       <dgm:prSet presAssocID="{6EF4D821-57B6-457C-9709-6844F6A8CBBD}" presName="sibTrans" presStyleLbl="sibTrans1D1" presStyleIdx="1" presStyleCnt="5"/>
       <dgm:spPr/>
-      <dgm:t>
-        <a:bodyPr/>
-        <a:lstStyle/>
-        <a:p>
-          <a:endParaRPr lang="pt-BR"/>
-        </a:p>
-      </dgm:t>
     </dgm:pt>
     <dgm:pt modelId="{202AA23C-73CB-453C-8218-C01814151921}" type="pres">
       <dgm:prSet presAssocID="{DEFC1B6F-B73B-48D3-8880-885C63215338}" presName="node" presStyleLbl="node1" presStyleIdx="2" presStyleCnt="5">
@@ -1197,35 +1143,14 @@
         </dgm:presLayoutVars>
       </dgm:prSet>
       <dgm:spPr/>
-      <dgm:t>
-        <a:bodyPr/>
-        <a:lstStyle/>
-        <a:p>
-          <a:endParaRPr lang="pt-BR"/>
-        </a:p>
-      </dgm:t>
     </dgm:pt>
     <dgm:pt modelId="{F8BF7867-7004-4C26-B3AC-DECFD13427B5}" type="pres">
       <dgm:prSet presAssocID="{DEFC1B6F-B73B-48D3-8880-885C63215338}" presName="spNode" presStyleCnt="0"/>
       <dgm:spPr/>
-      <dgm:t>
-        <a:bodyPr/>
-        <a:lstStyle/>
-        <a:p>
-          <a:endParaRPr lang="pt-BR"/>
-        </a:p>
-      </dgm:t>
     </dgm:pt>
     <dgm:pt modelId="{3DB15E10-8CBA-4FAD-AF34-B124E06C5795}" type="pres">
       <dgm:prSet presAssocID="{3E29B24B-54A5-4ACF-B92B-6462E0A3CAEA}" presName="sibTrans" presStyleLbl="sibTrans1D1" presStyleIdx="2" presStyleCnt="5"/>
       <dgm:spPr/>
-      <dgm:t>
-        <a:bodyPr/>
-        <a:lstStyle/>
-        <a:p>
-          <a:endParaRPr lang="pt-BR"/>
-        </a:p>
-      </dgm:t>
     </dgm:pt>
     <dgm:pt modelId="{8A180F68-1583-4AE7-8C84-CFB5639F2ACA}" type="pres">
       <dgm:prSet presAssocID="{645AD702-1407-4A5A-8159-A0A0A37EA32B}" presName="node" presStyleLbl="node1" presStyleIdx="3" presStyleCnt="5">
@@ -1234,35 +1159,14 @@
         </dgm:presLayoutVars>
       </dgm:prSet>
       <dgm:spPr/>
-      <dgm:t>
-        <a:bodyPr/>
-        <a:lstStyle/>
-        <a:p>
-          <a:endParaRPr lang="pt-BR"/>
-        </a:p>
-      </dgm:t>
     </dgm:pt>
     <dgm:pt modelId="{8482173D-3D9A-44B7-937A-2B45F54F3403}" type="pres">
       <dgm:prSet presAssocID="{645AD702-1407-4A5A-8159-A0A0A37EA32B}" presName="spNode" presStyleCnt="0"/>
       <dgm:spPr/>
-      <dgm:t>
-        <a:bodyPr/>
-        <a:lstStyle/>
-        <a:p>
-          <a:endParaRPr lang="pt-BR"/>
-        </a:p>
-      </dgm:t>
     </dgm:pt>
     <dgm:pt modelId="{0302AE01-9424-4B61-9822-C3944ECD3277}" type="pres">
       <dgm:prSet presAssocID="{D4960362-3B5A-4E14-A7AF-69DC64FEA75C}" presName="sibTrans" presStyleLbl="sibTrans1D1" presStyleIdx="3" presStyleCnt="5"/>
       <dgm:spPr/>
-      <dgm:t>
-        <a:bodyPr/>
-        <a:lstStyle/>
-        <a:p>
-          <a:endParaRPr lang="pt-BR"/>
-        </a:p>
-      </dgm:t>
     </dgm:pt>
     <dgm:pt modelId="{DAAE3E68-DF13-49A7-A36C-22C9D42C7FAE}" type="pres">
       <dgm:prSet presAssocID="{E95C1154-10E9-44E6-9FC8-BA93124FBCD5}" presName="node" presStyleLbl="node1" presStyleIdx="4" presStyleCnt="5">
@@ -1271,54 +1175,33 @@
         </dgm:presLayoutVars>
       </dgm:prSet>
       <dgm:spPr/>
-      <dgm:t>
-        <a:bodyPr/>
-        <a:lstStyle/>
-        <a:p>
-          <a:endParaRPr lang="pt-BR"/>
-        </a:p>
-      </dgm:t>
     </dgm:pt>
     <dgm:pt modelId="{23E6837E-D61B-4C27-A47E-78CFA918CFBE}" type="pres">
       <dgm:prSet presAssocID="{E95C1154-10E9-44E6-9FC8-BA93124FBCD5}" presName="spNode" presStyleCnt="0"/>
       <dgm:spPr/>
-      <dgm:t>
-        <a:bodyPr/>
-        <a:lstStyle/>
-        <a:p>
-          <a:endParaRPr lang="pt-BR"/>
-        </a:p>
-      </dgm:t>
     </dgm:pt>
     <dgm:pt modelId="{48965974-77D5-4736-B48A-3E907E5CF848}" type="pres">
       <dgm:prSet presAssocID="{7D6F845A-E924-4E12-834D-9E492BB7FF02}" presName="sibTrans" presStyleLbl="sibTrans1D1" presStyleIdx="4" presStyleCnt="5"/>
       <dgm:spPr/>
-      <dgm:t>
-        <a:bodyPr/>
-        <a:lstStyle/>
-        <a:p>
-          <a:endParaRPr lang="pt-BR"/>
-        </a:p>
-      </dgm:t>
     </dgm:pt>
   </dgm:ptLst>
   <dgm:cxnLst>
+    <dgm:cxn modelId="{32281301-0CD1-4879-8049-161CE6E5DEA5}" type="presOf" srcId="{6EF4D821-57B6-457C-9709-6844F6A8CBBD}" destId="{24F1BB6A-717E-4629-A94E-88723B6BBB29}" srcOrd="0" destOrd="0" presId="urn:microsoft.com/office/officeart/2005/8/layout/cycle6"/>
     <dgm:cxn modelId="{4BB9C704-99F5-44BF-B7C6-37BE57DFA4CB}" type="presOf" srcId="{7D6F845A-E924-4E12-834D-9E492BB7FF02}" destId="{48965974-77D5-4736-B48A-3E907E5CF848}" srcOrd="0" destOrd="0" presId="urn:microsoft.com/office/officeart/2005/8/layout/cycle6"/>
+    <dgm:cxn modelId="{D4AC9E13-BCA1-4E8E-B73C-CB2021F19619}" srcId="{2FBBEB69-67A0-4448-B13E-56C346BAF2B5}" destId="{645AD702-1407-4A5A-8159-A0A0A37EA32B}" srcOrd="3" destOrd="0" parTransId="{385E309F-D44F-4B01-BE60-C779516718DE}" sibTransId="{D4960362-3B5A-4E14-A7AF-69DC64FEA75C}"/>
+    <dgm:cxn modelId="{BB765214-C664-44C2-B738-79448DD3BA9F}" srcId="{2FBBEB69-67A0-4448-B13E-56C346BAF2B5}" destId="{E95C1154-10E9-44E6-9FC8-BA93124FBCD5}" srcOrd="4" destOrd="0" parTransId="{EB6A00CD-9124-45EB-97E9-57C8EDEE65DE}" sibTransId="{7D6F845A-E924-4E12-834D-9E492BB7FF02}"/>
+    <dgm:cxn modelId="{09CD2C2C-95CC-4A39-97A8-24B6473483B9}" type="presOf" srcId="{DEFC1B6F-B73B-48D3-8880-885C63215338}" destId="{202AA23C-73CB-453C-8218-C01814151921}" srcOrd="0" destOrd="0" presId="urn:microsoft.com/office/officeart/2005/8/layout/cycle6"/>
+    <dgm:cxn modelId="{D6990145-8339-4EE9-B071-BE4D821D74E3}" type="presOf" srcId="{2FBBEB69-67A0-4448-B13E-56C346BAF2B5}" destId="{007D09A2-EE48-4FDC-A957-A6DDB50882E7}" srcOrd="0" destOrd="0" presId="urn:microsoft.com/office/officeart/2005/8/layout/cycle6"/>
+    <dgm:cxn modelId="{9A5BB945-70B9-4590-AC75-A2205D087F0C}" srcId="{2FBBEB69-67A0-4448-B13E-56C346BAF2B5}" destId="{EDF0DD32-1CD9-451C-A7DC-EEA77ED6675C}" srcOrd="0" destOrd="0" parTransId="{E1C2173C-6D89-423E-A5FA-C7AC34588814}" sibTransId="{8C0CACFF-DC4A-47FB-B455-A933BAC89381}"/>
+    <dgm:cxn modelId="{56376F46-FC70-49DF-A5C5-2C8868C1FD7D}" srcId="{2FBBEB69-67A0-4448-B13E-56C346BAF2B5}" destId="{A1529EC1-4F2D-49E6-B4FE-C712A53006AD}" srcOrd="1" destOrd="0" parTransId="{5AB82972-405B-4F09-AF13-075E80FC06A2}" sibTransId="{6EF4D821-57B6-457C-9709-6844F6A8CBBD}"/>
     <dgm:cxn modelId="{6C173874-B21C-47E8-8F1B-EA050721EFD6}" srcId="{2FBBEB69-67A0-4448-B13E-56C346BAF2B5}" destId="{DEFC1B6F-B73B-48D3-8880-885C63215338}" srcOrd="2" destOrd="0" parTransId="{58DBE7D5-6704-4258-9560-3ABFAF40BE9F}" sibTransId="{3E29B24B-54A5-4ACF-B92B-6462E0A3CAEA}"/>
-    <dgm:cxn modelId="{F22851E5-8742-405E-A6C0-2E4C63E0C95A}" type="presOf" srcId="{EDF0DD32-1CD9-451C-A7DC-EEA77ED6675C}" destId="{9EF6929B-1634-4084-BC90-21F3C8138EF2}" srcOrd="0" destOrd="0" presId="urn:microsoft.com/office/officeart/2005/8/layout/cycle6"/>
     <dgm:cxn modelId="{BA93627A-ADB7-4ED7-8BC3-BC23248778FF}" type="presOf" srcId="{A1529EC1-4F2D-49E6-B4FE-C712A53006AD}" destId="{0C408F32-ED2E-40D9-981A-10DB7D5355FC}" srcOrd="0" destOrd="0" presId="urn:microsoft.com/office/officeart/2005/8/layout/cycle6"/>
-    <dgm:cxn modelId="{09CD2C2C-95CC-4A39-97A8-24B6473483B9}" type="presOf" srcId="{DEFC1B6F-B73B-48D3-8880-885C63215338}" destId="{202AA23C-73CB-453C-8218-C01814151921}" srcOrd="0" destOrd="0" presId="urn:microsoft.com/office/officeart/2005/8/layout/cycle6"/>
-    <dgm:cxn modelId="{917392F2-6504-4B2D-A55C-331A2EBBC004}" type="presOf" srcId="{3E29B24B-54A5-4ACF-B92B-6462E0A3CAEA}" destId="{3DB15E10-8CBA-4FAD-AF34-B124E06C5795}" srcOrd="0" destOrd="0" presId="urn:microsoft.com/office/officeart/2005/8/layout/cycle6"/>
-    <dgm:cxn modelId="{32281301-0CD1-4879-8049-161CE6E5DEA5}" type="presOf" srcId="{6EF4D821-57B6-457C-9709-6844F6A8CBBD}" destId="{24F1BB6A-717E-4629-A94E-88723B6BBB29}" srcOrd="0" destOrd="0" presId="urn:microsoft.com/office/officeart/2005/8/layout/cycle6"/>
-    <dgm:cxn modelId="{56376F46-FC70-49DF-A5C5-2C8868C1FD7D}" srcId="{2FBBEB69-67A0-4448-B13E-56C346BAF2B5}" destId="{A1529EC1-4F2D-49E6-B4FE-C712A53006AD}" srcOrd="1" destOrd="0" parTransId="{5AB82972-405B-4F09-AF13-075E80FC06A2}" sibTransId="{6EF4D821-57B6-457C-9709-6844F6A8CBBD}"/>
-    <dgm:cxn modelId="{D4AC9E13-BCA1-4E8E-B73C-CB2021F19619}" srcId="{2FBBEB69-67A0-4448-B13E-56C346BAF2B5}" destId="{645AD702-1407-4A5A-8159-A0A0A37EA32B}" srcOrd="3" destOrd="0" parTransId="{385E309F-D44F-4B01-BE60-C779516718DE}" sibTransId="{D4960362-3B5A-4E14-A7AF-69DC64FEA75C}"/>
-    <dgm:cxn modelId="{38EC8CF4-0C24-4733-8E8E-8813C7E9F81E}" type="presOf" srcId="{8C0CACFF-DC4A-47FB-B455-A933BAC89381}" destId="{2B7B24E4-E579-4119-9BC1-7AA1B1941EEE}" srcOrd="0" destOrd="0" presId="urn:microsoft.com/office/officeart/2005/8/layout/cycle6"/>
     <dgm:cxn modelId="{63C204BB-BF11-4DAA-8610-98A7B6104B3C}" type="presOf" srcId="{E95C1154-10E9-44E6-9FC8-BA93124FBCD5}" destId="{DAAE3E68-DF13-49A7-A36C-22C9D42C7FAE}" srcOrd="0" destOrd="0" presId="urn:microsoft.com/office/officeart/2005/8/layout/cycle6"/>
-    <dgm:cxn modelId="{9A5BB945-70B9-4590-AC75-A2205D087F0C}" srcId="{2FBBEB69-67A0-4448-B13E-56C346BAF2B5}" destId="{EDF0DD32-1CD9-451C-A7DC-EEA77ED6675C}" srcOrd="0" destOrd="0" parTransId="{E1C2173C-6D89-423E-A5FA-C7AC34588814}" sibTransId="{8C0CACFF-DC4A-47FB-B455-A933BAC89381}"/>
-    <dgm:cxn modelId="{BB765214-C664-44C2-B738-79448DD3BA9F}" srcId="{2FBBEB69-67A0-4448-B13E-56C346BAF2B5}" destId="{E95C1154-10E9-44E6-9FC8-BA93124FBCD5}" srcOrd="4" destOrd="0" parTransId="{EB6A00CD-9124-45EB-97E9-57C8EDEE65DE}" sibTransId="{7D6F845A-E924-4E12-834D-9E492BB7FF02}"/>
     <dgm:cxn modelId="{6FA35DC9-86CB-410F-8022-5FCA8BCB7379}" type="presOf" srcId="{D4960362-3B5A-4E14-A7AF-69DC64FEA75C}" destId="{0302AE01-9424-4B61-9822-C3944ECD3277}" srcOrd="0" destOrd="0" presId="urn:microsoft.com/office/officeart/2005/8/layout/cycle6"/>
     <dgm:cxn modelId="{25691BE3-0965-45B5-AE36-FBE3A1143295}" type="presOf" srcId="{645AD702-1407-4A5A-8159-A0A0A37EA32B}" destId="{8A180F68-1583-4AE7-8C84-CFB5639F2ACA}" srcOrd="0" destOrd="0" presId="urn:microsoft.com/office/officeart/2005/8/layout/cycle6"/>
-    <dgm:cxn modelId="{D6990145-8339-4EE9-B071-BE4D821D74E3}" type="presOf" srcId="{2FBBEB69-67A0-4448-B13E-56C346BAF2B5}" destId="{007D09A2-EE48-4FDC-A957-A6DDB50882E7}" srcOrd="0" destOrd="0" presId="urn:microsoft.com/office/officeart/2005/8/layout/cycle6"/>
+    <dgm:cxn modelId="{F22851E5-8742-405E-A6C0-2E4C63E0C95A}" type="presOf" srcId="{EDF0DD32-1CD9-451C-A7DC-EEA77ED6675C}" destId="{9EF6929B-1634-4084-BC90-21F3C8138EF2}" srcOrd="0" destOrd="0" presId="urn:microsoft.com/office/officeart/2005/8/layout/cycle6"/>
+    <dgm:cxn modelId="{917392F2-6504-4B2D-A55C-331A2EBBC004}" type="presOf" srcId="{3E29B24B-54A5-4ACF-B92B-6462E0A3CAEA}" destId="{3DB15E10-8CBA-4FAD-AF34-B124E06C5795}" srcOrd="0" destOrd="0" presId="urn:microsoft.com/office/officeart/2005/8/layout/cycle6"/>
+    <dgm:cxn modelId="{38EC8CF4-0C24-4733-8E8E-8813C7E9F81E}" type="presOf" srcId="{8C0CACFF-DC4A-47FB-B455-A933BAC89381}" destId="{2B7B24E4-E579-4119-9BC1-7AA1B1941EEE}" srcOrd="0" destOrd="0" presId="urn:microsoft.com/office/officeart/2005/8/layout/cycle6"/>
     <dgm:cxn modelId="{E4F6D898-972B-490A-8E95-F31E0C614DCD}" type="presParOf" srcId="{007D09A2-EE48-4FDC-A957-A6DDB50882E7}" destId="{9EF6929B-1634-4084-BC90-21F3C8138EF2}" srcOrd="0" destOrd="0" presId="urn:microsoft.com/office/officeart/2005/8/layout/cycle6"/>
     <dgm:cxn modelId="{7E0E24BB-7719-483D-AD2F-3F94E211243D}" type="presParOf" srcId="{007D09A2-EE48-4FDC-A957-A6DDB50882E7}" destId="{950BB519-F552-4F2B-A63E-F1986AA010E1}" srcOrd="1" destOrd="0" presId="urn:microsoft.com/office/officeart/2005/8/layout/cycle6"/>
     <dgm:cxn modelId="{12713D1B-2E59-41C2-96F3-681C58B28340}" type="presParOf" srcId="{007D09A2-EE48-4FDC-A957-A6DDB50882E7}" destId="{2B7B24E4-E579-4119-9BC1-7AA1B1941EEE}" srcOrd="2" destOrd="0" presId="urn:microsoft.com/office/officeart/2005/8/layout/cycle6"/>
@@ -1408,7 +1291,7 @@
         </a:bodyPr>
         <a:lstStyle/>
         <a:p>
-          <a:pPr lvl="0" algn="ctr" defTabSz="711200">
+          <a:pPr marL="0" lvl="0" indent="0" algn="ctr" defTabSz="711200">
             <a:lnSpc>
               <a:spcPct val="90000"/>
             </a:lnSpc>
@@ -1418,12 +1301,12 @@
             <a:spcAft>
               <a:spcPct val="35000"/>
             </a:spcAft>
+            <a:buNone/>
           </a:pPr>
           <a:r>
-            <a:rPr lang="pt-BR" sz="1600" kern="1200" dirty="0" smtClean="0"/>
+            <a:rPr lang="pt-BR" sz="1600" kern="1200" dirty="0"/>
             <a:t>FACILIDADE DE APRENDIZAGEM</a:t>
           </a:r>
-          <a:endParaRPr lang="pt-BR" sz="1600" kern="1200" dirty="0"/>
         </a:p>
       </dsp:txBody>
       <dsp:txXfrm>
@@ -1539,7 +1422,7 @@
         </a:bodyPr>
         <a:lstStyle/>
         <a:p>
-          <a:pPr lvl="0" algn="ctr" defTabSz="711200">
+          <a:pPr marL="0" lvl="0" indent="0" algn="ctr" defTabSz="711200">
             <a:lnSpc>
               <a:spcPct val="90000"/>
             </a:lnSpc>
@@ -1549,12 +1432,12 @@
             <a:spcAft>
               <a:spcPct val="35000"/>
             </a:spcAft>
+            <a:buNone/>
           </a:pPr>
           <a:r>
-            <a:rPr lang="pt-BR" sz="1600" kern="1200" dirty="0" smtClean="0"/>
+            <a:rPr lang="pt-BR" sz="1600" kern="1200" dirty="0"/>
             <a:t>FACILIDADE DE UTILIZAÇÃO</a:t>
           </a:r>
-          <a:endParaRPr lang="pt-BR" sz="1600" kern="1200" dirty="0"/>
         </a:p>
       </dsp:txBody>
       <dsp:txXfrm>
@@ -1670,7 +1553,7 @@
         </a:bodyPr>
         <a:lstStyle/>
         <a:p>
-          <a:pPr lvl="0" algn="ctr" defTabSz="711200">
+          <a:pPr marL="0" lvl="0" indent="0" algn="ctr" defTabSz="711200">
             <a:lnSpc>
               <a:spcPct val="90000"/>
             </a:lnSpc>
@@ -1680,12 +1563,12 @@
             <a:spcAft>
               <a:spcPct val="35000"/>
             </a:spcAft>
+            <a:buNone/>
           </a:pPr>
           <a:r>
-            <a:rPr lang="pt-BR" sz="1600" kern="1200" dirty="0" smtClean="0"/>
+            <a:rPr lang="pt-BR" sz="1600" kern="1200" dirty="0"/>
             <a:t>FACILIDADE DE MEMORIZAÇÃO</a:t>
           </a:r>
-          <a:endParaRPr lang="pt-BR" sz="1600" kern="1200" dirty="0"/>
         </a:p>
       </dsp:txBody>
       <dsp:txXfrm>
@@ -1801,7 +1684,7 @@
         </a:bodyPr>
         <a:lstStyle/>
         <a:p>
-          <a:pPr lvl="0" algn="ctr" defTabSz="711200">
+          <a:pPr marL="0" lvl="0" indent="0" algn="ctr" defTabSz="711200">
             <a:lnSpc>
               <a:spcPct val="90000"/>
             </a:lnSpc>
@@ -1811,12 +1694,12 @@
             <a:spcAft>
               <a:spcPct val="35000"/>
             </a:spcAft>
+            <a:buNone/>
           </a:pPr>
           <a:r>
-            <a:rPr lang="pt-BR" sz="1600" kern="1200" dirty="0" smtClean="0"/>
+            <a:rPr lang="pt-BR" sz="1600" kern="1200" dirty="0"/>
             <a:t>POUCOS ERROS</a:t>
           </a:r>
-          <a:endParaRPr lang="pt-BR" sz="1600" kern="1200" dirty="0"/>
         </a:p>
       </dsp:txBody>
       <dsp:txXfrm>
@@ -1932,7 +1815,7 @@
         </a:bodyPr>
         <a:lstStyle/>
         <a:p>
-          <a:pPr lvl="0" algn="ctr" defTabSz="711200">
+          <a:pPr marL="0" lvl="0" indent="0" algn="ctr" defTabSz="711200">
             <a:lnSpc>
               <a:spcPct val="90000"/>
             </a:lnSpc>
@@ -1942,12 +1825,12 @@
             <a:spcAft>
               <a:spcPct val="35000"/>
             </a:spcAft>
+            <a:buNone/>
           </a:pPr>
           <a:r>
-            <a:rPr lang="pt-BR" sz="1600" kern="1200" dirty="0" smtClean="0"/>
+            <a:rPr lang="pt-BR" sz="1600" kern="1200" dirty="0"/>
             <a:t>SATISTAÇÃO SUBJETIVA</a:t>
           </a:r>
-          <a:endParaRPr lang="pt-BR" sz="1600" kern="1200" dirty="0"/>
         </a:p>
       </dsp:txBody>
       <dsp:txXfrm>
@@ -3337,7 +3220,7 @@
           <a:p>
             <a:fld id="{94D3EB41-CF60-4C9F-BD83-AE56FA0945EB}" type="datetimeFigureOut">
               <a:rPr lang="pt-BR" smtClean="0"/>
-              <a:t>07/11/2018</a:t>
+              <a:t>19/08/2020</a:t>
             </a:fld>
             <a:endParaRPr lang="pt-BR"/>
           </a:p>
@@ -3401,38 +3284,37 @@
           <a:p>
             <a:pPr lvl="0"/>
             <a:r>
-              <a:rPr lang="pt-BR" smtClean="0"/>
+              <a:rPr lang="pt-BR"/>
               <a:t>Editar estilos de texto Mestre</a:t>
             </a:r>
           </a:p>
           <a:p>
             <a:pPr lvl="1"/>
             <a:r>
-              <a:rPr lang="pt-BR" smtClean="0"/>
+              <a:rPr lang="pt-BR"/>
               <a:t>Segundo nível</a:t>
             </a:r>
           </a:p>
           <a:p>
             <a:pPr lvl="2"/>
             <a:r>
-              <a:rPr lang="pt-BR" smtClean="0"/>
+              <a:rPr lang="pt-BR"/>
               <a:t>Terceiro nível</a:t>
             </a:r>
           </a:p>
           <a:p>
             <a:pPr lvl="3"/>
             <a:r>
-              <a:rPr lang="pt-BR" smtClean="0"/>
+              <a:rPr lang="pt-BR"/>
               <a:t>Quarto nível</a:t>
             </a:r>
           </a:p>
           <a:p>
             <a:pPr lvl="4"/>
             <a:r>
-              <a:rPr lang="pt-BR" smtClean="0"/>
+              <a:rPr lang="pt-BR"/>
               <a:t>Quinto nível</a:t>
             </a:r>
-            <a:endParaRPr lang="pt-BR"/>
           </a:p>
         </p:txBody>
       </p:sp>
@@ -3496,7 +3378,7 @@
           <a:p>
             <a:fld id="{020F486D-935E-4125-8FD7-C735663CC7DE}" type="slidenum">
               <a:rPr lang="pt-BR" smtClean="0"/>
-              <a:t>‹nº›</a:t>
+              <a:t>‹#›</a:t>
             </a:fld>
             <a:endParaRPr lang="pt-BR"/>
           </a:p>
@@ -3650,10 +3532,9 @@
           <a:lstStyle/>
           <a:p>
             <a:r>
-              <a:rPr lang="pt-BR" dirty="0" smtClean="0"/>
+              <a:rPr lang="pt-BR" dirty="0"/>
               <a:t>https://www.caelum.com.br/apostila-ux-usabilidade-mobile-web/design-visual/#especificao-do-design</a:t>
             </a:r>
-            <a:endParaRPr lang="pt-BR" dirty="0"/>
           </a:p>
         </p:txBody>
       </p:sp>
@@ -3757,10 +3638,9 @@
           </a:lstStyle>
           <a:p>
             <a:r>
-              <a:rPr lang="pt-BR" smtClean="0"/>
+              <a:rPr lang="pt-BR"/>
               <a:t>Clique para editar o título mestre</a:t>
             </a:r>
-            <a:endParaRPr lang="pt-BR"/>
           </a:p>
         </p:txBody>
       </p:sp>
@@ -3830,10 +3710,9 @@
           </a:lstStyle>
           <a:p>
             <a:r>
-              <a:rPr lang="pt-BR" smtClean="0"/>
+              <a:rPr lang="pt-BR"/>
               <a:t>Clique para editar o estilo do subtítulo mestre</a:t>
             </a:r>
-            <a:endParaRPr lang="pt-BR"/>
           </a:p>
         </p:txBody>
       </p:sp>
@@ -3854,7 +3733,7 @@
           <a:p>
             <a:fld id="{9642BF85-54FF-46CE-B398-87F998CFD60B}" type="datetimeFigureOut">
               <a:rPr lang="pt-BR" smtClean="0"/>
-              <a:t>07/11/2018</a:t>
+              <a:t>19/08/2020</a:t>
             </a:fld>
             <a:endParaRPr lang="pt-BR"/>
           </a:p>
@@ -3896,7 +3775,7 @@
           <a:p>
             <a:fld id="{29185252-FBA3-417A-8652-C405B89605D8}" type="slidenum">
               <a:rPr lang="pt-BR" smtClean="0"/>
-              <a:t>‹nº›</a:t>
+              <a:t>‹#›</a:t>
             </a:fld>
             <a:endParaRPr lang="pt-BR"/>
           </a:p>
@@ -3912,13 +3791,6 @@
   <p:clrMapOvr>
     <a:masterClrMapping/>
   </p:clrMapOvr>
-  <p:timing>
-    <p:tnLst>
-      <p:par>
-        <p:cTn id="1" dur="indefinite" restart="never" nodeType="tmRoot"/>
-      </p:par>
-    </p:tnLst>
-  </p:timing>
 </p:sldLayout>
 </file>
 
@@ -3955,10 +3827,9 @@
           <a:lstStyle/>
           <a:p>
             <a:r>
-              <a:rPr lang="pt-BR" smtClean="0"/>
+              <a:rPr lang="pt-BR"/>
               <a:t>Clique para editar o título mestre</a:t>
             </a:r>
-            <a:endParaRPr lang="pt-BR"/>
           </a:p>
         </p:txBody>
       </p:sp>
@@ -3979,38 +3850,37 @@
           <a:p>
             <a:pPr lvl="0"/>
             <a:r>
-              <a:rPr lang="pt-BR" smtClean="0"/>
+              <a:rPr lang="pt-BR"/>
               <a:t>Clique para editar o texto mestre</a:t>
             </a:r>
           </a:p>
           <a:p>
             <a:pPr lvl="1"/>
             <a:r>
-              <a:rPr lang="pt-BR" smtClean="0"/>
+              <a:rPr lang="pt-BR"/>
               <a:t>Segundo nível</a:t>
             </a:r>
           </a:p>
           <a:p>
             <a:pPr lvl="2"/>
             <a:r>
-              <a:rPr lang="pt-BR" smtClean="0"/>
+              <a:rPr lang="pt-BR"/>
               <a:t>Terceiro nível</a:t>
             </a:r>
           </a:p>
           <a:p>
             <a:pPr lvl="3"/>
             <a:r>
-              <a:rPr lang="pt-BR" smtClean="0"/>
+              <a:rPr lang="pt-BR"/>
               <a:t>Quarto nível</a:t>
             </a:r>
           </a:p>
           <a:p>
             <a:pPr lvl="4"/>
             <a:r>
-              <a:rPr lang="pt-BR" smtClean="0"/>
+              <a:rPr lang="pt-BR"/>
               <a:t>Quinto nível</a:t>
             </a:r>
-            <a:endParaRPr lang="pt-BR"/>
           </a:p>
         </p:txBody>
       </p:sp>
@@ -4031,7 +3901,7 @@
           <a:p>
             <a:fld id="{9642BF85-54FF-46CE-B398-87F998CFD60B}" type="datetimeFigureOut">
               <a:rPr lang="pt-BR" smtClean="0"/>
-              <a:t>07/11/2018</a:t>
+              <a:t>19/08/2020</a:t>
             </a:fld>
             <a:endParaRPr lang="pt-BR"/>
           </a:p>
@@ -4073,7 +3943,7 @@
           <a:p>
             <a:fld id="{29185252-FBA3-417A-8652-C405B89605D8}" type="slidenum">
               <a:rPr lang="pt-BR" smtClean="0"/>
-              <a:t>‹nº›</a:t>
+              <a:t>‹#›</a:t>
             </a:fld>
             <a:endParaRPr lang="pt-BR"/>
           </a:p>
@@ -4089,13 +3959,6 @@
   <p:clrMapOvr>
     <a:masterClrMapping/>
   </p:clrMapOvr>
-  <p:timing>
-    <p:tnLst>
-      <p:par>
-        <p:cTn id="1" dur="indefinite" restart="never" nodeType="tmRoot"/>
-      </p:par>
-    </p:tnLst>
-  </p:timing>
 </p:sldLayout>
 </file>
 
@@ -4137,10 +4000,9 @@
           <a:lstStyle/>
           <a:p>
             <a:r>
-              <a:rPr lang="pt-BR" smtClean="0"/>
+              <a:rPr lang="pt-BR"/>
               <a:t>Clique para editar o título mestre</a:t>
             </a:r>
-            <a:endParaRPr lang="pt-BR"/>
           </a:p>
         </p:txBody>
       </p:sp>
@@ -4166,38 +4028,37 @@
           <a:p>
             <a:pPr lvl="0"/>
             <a:r>
-              <a:rPr lang="pt-BR" smtClean="0"/>
+              <a:rPr lang="pt-BR"/>
               <a:t>Clique para editar o texto mestre</a:t>
             </a:r>
           </a:p>
           <a:p>
             <a:pPr lvl="1"/>
             <a:r>
-              <a:rPr lang="pt-BR" smtClean="0"/>
+              <a:rPr lang="pt-BR"/>
               <a:t>Segundo nível</a:t>
             </a:r>
           </a:p>
           <a:p>
             <a:pPr lvl="2"/>
             <a:r>
-              <a:rPr lang="pt-BR" smtClean="0"/>
+              <a:rPr lang="pt-BR"/>
               <a:t>Terceiro nível</a:t>
             </a:r>
           </a:p>
           <a:p>
             <a:pPr lvl="3"/>
             <a:r>
-              <a:rPr lang="pt-BR" smtClean="0"/>
+              <a:rPr lang="pt-BR"/>
               <a:t>Quarto nível</a:t>
             </a:r>
           </a:p>
           <a:p>
             <a:pPr lvl="4"/>
             <a:r>
-              <a:rPr lang="pt-BR" smtClean="0"/>
+              <a:rPr lang="pt-BR"/>
               <a:t>Quinto nível</a:t>
             </a:r>
-            <a:endParaRPr lang="pt-BR"/>
           </a:p>
         </p:txBody>
       </p:sp>
@@ -4218,7 +4079,7 @@
           <a:p>
             <a:fld id="{9642BF85-54FF-46CE-B398-87F998CFD60B}" type="datetimeFigureOut">
               <a:rPr lang="pt-BR" smtClean="0"/>
-              <a:t>07/11/2018</a:t>
+              <a:t>19/08/2020</a:t>
             </a:fld>
             <a:endParaRPr lang="pt-BR"/>
           </a:p>
@@ -4260,7 +4121,7 @@
           <a:p>
             <a:fld id="{29185252-FBA3-417A-8652-C405B89605D8}" type="slidenum">
               <a:rPr lang="pt-BR" smtClean="0"/>
-              <a:t>‹nº›</a:t>
+              <a:t>‹#›</a:t>
             </a:fld>
             <a:endParaRPr lang="pt-BR"/>
           </a:p>
@@ -4276,13 +4137,6 @@
   <p:clrMapOvr>
     <a:masterClrMapping/>
   </p:clrMapOvr>
-  <p:timing>
-    <p:tnLst>
-      <p:par>
-        <p:cTn id="1" dur="indefinite" restart="never" nodeType="tmRoot"/>
-      </p:par>
-    </p:tnLst>
-  </p:timing>
 </p:sldLayout>
 </file>
 
@@ -4352,10 +4206,9 @@
           </a:lstStyle>
           <a:p>
             <a:r>
-              <a:rPr lang="pt-BR" dirty="0" smtClean="0"/>
+              <a:rPr lang="pt-BR" dirty="0"/>
               <a:t>Clique para editar o título mestre</a:t>
             </a:r>
-            <a:endParaRPr lang="pt-BR" dirty="0"/>
           </a:p>
         </p:txBody>
       </p:sp>
@@ -4438,38 +4291,37 @@
           <a:p>
             <a:pPr lvl="0"/>
             <a:r>
-              <a:rPr lang="pt-BR" dirty="0" smtClean="0"/>
+              <a:rPr lang="pt-BR" dirty="0"/>
               <a:t>Clique para editar o texto mestre</a:t>
             </a:r>
           </a:p>
           <a:p>
             <a:pPr lvl="1"/>
             <a:r>
-              <a:rPr lang="pt-BR" dirty="0" smtClean="0"/>
+              <a:rPr lang="pt-BR" dirty="0"/>
               <a:t>Segundo nível</a:t>
             </a:r>
           </a:p>
           <a:p>
             <a:pPr lvl="2"/>
             <a:r>
-              <a:rPr lang="pt-BR" dirty="0" smtClean="0"/>
+              <a:rPr lang="pt-BR" dirty="0"/>
               <a:t>Terceiro nível</a:t>
             </a:r>
           </a:p>
           <a:p>
             <a:pPr lvl="3"/>
             <a:r>
-              <a:rPr lang="pt-BR" dirty="0" smtClean="0"/>
+              <a:rPr lang="pt-BR" dirty="0"/>
               <a:t>Quarto nível</a:t>
             </a:r>
           </a:p>
           <a:p>
             <a:pPr lvl="4"/>
             <a:r>
-              <a:rPr lang="pt-BR" dirty="0" smtClean="0"/>
+              <a:rPr lang="pt-BR" dirty="0"/>
               <a:t>Quinto nível</a:t>
             </a:r>
-            <a:endParaRPr lang="pt-BR" dirty="0"/>
           </a:p>
         </p:txBody>
       </p:sp>
@@ -4490,7 +4342,7 @@
           <a:p>
             <a:fld id="{9642BF85-54FF-46CE-B398-87F998CFD60B}" type="datetimeFigureOut">
               <a:rPr lang="pt-BR" smtClean="0"/>
-              <a:t>07/11/2018</a:t>
+              <a:t>19/08/2020</a:t>
             </a:fld>
             <a:endParaRPr lang="pt-BR"/>
           </a:p>
@@ -4532,7 +4384,7 @@
           <a:p>
             <a:fld id="{29185252-FBA3-417A-8652-C405B89605D8}" type="slidenum">
               <a:rPr lang="pt-BR" smtClean="0"/>
-              <a:t>‹nº›</a:t>
+              <a:t>‹#›</a:t>
             </a:fld>
             <a:endParaRPr lang="pt-BR"/>
           </a:p>
@@ -4548,13 +4400,6 @@
   <p:clrMapOvr>
     <a:masterClrMapping/>
   </p:clrMapOvr>
-  <p:timing>
-    <p:tnLst>
-      <p:par>
-        <p:cTn id="1" dur="indefinite" restart="never" nodeType="tmRoot"/>
-      </p:par>
-    </p:tnLst>
-  </p:timing>
 </p:sldLayout>
 </file>
 
@@ -4624,10 +4469,9 @@
           </a:lstStyle>
           <a:p>
             <a:r>
-              <a:rPr lang="pt-BR" dirty="0" smtClean="0"/>
+              <a:rPr lang="pt-BR" dirty="0"/>
               <a:t>Clique para editar o título mestre</a:t>
             </a:r>
-            <a:endParaRPr lang="pt-BR" dirty="0"/>
           </a:p>
         </p:txBody>
       </p:sp>
@@ -4746,7 +4590,7 @@
           <a:p>
             <a:pPr lvl="0"/>
             <a:r>
-              <a:rPr lang="pt-BR" dirty="0" smtClean="0"/>
+              <a:rPr lang="pt-BR" dirty="0"/>
               <a:t>Clique para editar o texto mestre</a:t>
             </a:r>
           </a:p>
@@ -4769,7 +4613,7 @@
           <a:p>
             <a:fld id="{9642BF85-54FF-46CE-B398-87F998CFD60B}" type="datetimeFigureOut">
               <a:rPr lang="pt-BR" smtClean="0"/>
-              <a:t>07/11/2018</a:t>
+              <a:t>19/08/2020</a:t>
             </a:fld>
             <a:endParaRPr lang="pt-BR"/>
           </a:p>
@@ -4811,7 +4655,7 @@
           <a:p>
             <a:fld id="{29185252-FBA3-417A-8652-C405B89605D8}" type="slidenum">
               <a:rPr lang="pt-BR" smtClean="0"/>
-              <a:t>‹nº›</a:t>
+              <a:t>‹#›</a:t>
             </a:fld>
             <a:endParaRPr lang="pt-BR"/>
           </a:p>
@@ -4827,13 +4671,6 @@
   <p:clrMapOvr>
     <a:masterClrMapping/>
   </p:clrMapOvr>
-  <p:timing>
-    <p:tnLst>
-      <p:par>
-        <p:cTn id="1" dur="indefinite" restart="never" nodeType="tmRoot"/>
-      </p:par>
-    </p:tnLst>
-  </p:timing>
 </p:sldLayout>
 </file>
 
@@ -4887,10 +4724,9 @@
           </a:lstStyle>
           <a:p>
             <a:r>
-              <a:rPr lang="pt-BR" dirty="0" smtClean="0"/>
+              <a:rPr lang="pt-BR" dirty="0"/>
               <a:t>Clique para editar o título mestre</a:t>
             </a:r>
-            <a:endParaRPr lang="pt-BR" dirty="0"/>
           </a:p>
         </p:txBody>
       </p:sp>
@@ -4916,38 +4752,37 @@
           <a:p>
             <a:pPr lvl="0"/>
             <a:r>
-              <a:rPr lang="pt-BR" smtClean="0"/>
+              <a:rPr lang="pt-BR"/>
               <a:t>Clique para editar o texto mestre</a:t>
             </a:r>
           </a:p>
           <a:p>
             <a:pPr lvl="1"/>
             <a:r>
-              <a:rPr lang="pt-BR" smtClean="0"/>
+              <a:rPr lang="pt-BR"/>
               <a:t>Segundo nível</a:t>
             </a:r>
           </a:p>
           <a:p>
             <a:pPr lvl="2"/>
             <a:r>
-              <a:rPr lang="pt-BR" smtClean="0"/>
+              <a:rPr lang="pt-BR"/>
               <a:t>Terceiro nível</a:t>
             </a:r>
           </a:p>
           <a:p>
             <a:pPr lvl="3"/>
             <a:r>
-              <a:rPr lang="pt-BR" smtClean="0"/>
+              <a:rPr lang="pt-BR"/>
               <a:t>Quarto nível</a:t>
             </a:r>
           </a:p>
           <a:p>
             <a:pPr lvl="4"/>
             <a:r>
-              <a:rPr lang="pt-BR" smtClean="0"/>
+              <a:rPr lang="pt-BR"/>
               <a:t>Quinto nível</a:t>
             </a:r>
-            <a:endParaRPr lang="pt-BR"/>
           </a:p>
         </p:txBody>
       </p:sp>
@@ -4973,38 +4808,37 @@
           <a:p>
             <a:pPr lvl="0"/>
             <a:r>
-              <a:rPr lang="pt-BR" smtClean="0"/>
+              <a:rPr lang="pt-BR"/>
               <a:t>Clique para editar o texto mestre</a:t>
             </a:r>
           </a:p>
           <a:p>
             <a:pPr lvl="1"/>
             <a:r>
-              <a:rPr lang="pt-BR" smtClean="0"/>
+              <a:rPr lang="pt-BR"/>
               <a:t>Segundo nível</a:t>
             </a:r>
           </a:p>
           <a:p>
             <a:pPr lvl="2"/>
             <a:r>
-              <a:rPr lang="pt-BR" smtClean="0"/>
+              <a:rPr lang="pt-BR"/>
               <a:t>Terceiro nível</a:t>
             </a:r>
           </a:p>
           <a:p>
             <a:pPr lvl="3"/>
             <a:r>
-              <a:rPr lang="pt-BR" smtClean="0"/>
+              <a:rPr lang="pt-BR"/>
               <a:t>Quarto nível</a:t>
             </a:r>
           </a:p>
           <a:p>
             <a:pPr lvl="4"/>
             <a:r>
-              <a:rPr lang="pt-BR" smtClean="0"/>
+              <a:rPr lang="pt-BR"/>
               <a:t>Quinto nível</a:t>
             </a:r>
-            <a:endParaRPr lang="pt-BR"/>
           </a:p>
         </p:txBody>
       </p:sp>
@@ -5025,7 +4859,7 @@
           <a:p>
             <a:fld id="{9642BF85-54FF-46CE-B398-87F998CFD60B}" type="datetimeFigureOut">
               <a:rPr lang="pt-BR" smtClean="0"/>
-              <a:t>07/11/2018</a:t>
+              <a:t>19/08/2020</a:t>
             </a:fld>
             <a:endParaRPr lang="pt-BR"/>
           </a:p>
@@ -5067,7 +4901,7 @@
           <a:p>
             <a:fld id="{29185252-FBA3-417A-8652-C405B89605D8}" type="slidenum">
               <a:rPr lang="pt-BR" smtClean="0"/>
-              <a:t>‹nº›</a:t>
+              <a:t>‹#›</a:t>
             </a:fld>
             <a:endParaRPr lang="pt-BR"/>
           </a:p>
@@ -5083,13 +4917,6 @@
   <p:clrMapOvr>
     <a:masterClrMapping/>
   </p:clrMapOvr>
-  <p:timing>
-    <p:tnLst>
-      <p:par>
-        <p:cTn id="1" dur="indefinite" restart="never" nodeType="tmRoot"/>
-      </p:par>
-    </p:tnLst>
-  </p:timing>
 </p:sldLayout>
 </file>
 
@@ -5131,10 +4958,9 @@
           <a:lstStyle/>
           <a:p>
             <a:r>
-              <a:rPr lang="pt-BR" smtClean="0"/>
+              <a:rPr lang="pt-BR"/>
               <a:t>Clique para editar o título mestre</a:t>
             </a:r>
-            <a:endParaRPr lang="pt-BR"/>
           </a:p>
         </p:txBody>
       </p:sp>
@@ -5197,7 +5023,7 @@
           <a:p>
             <a:pPr lvl="0"/>
             <a:r>
-              <a:rPr lang="pt-BR" smtClean="0"/>
+              <a:rPr lang="pt-BR"/>
               <a:t>Clique para editar o texto mestre</a:t>
             </a:r>
           </a:p>
@@ -5225,38 +5051,37 @@
           <a:p>
             <a:pPr lvl="0"/>
             <a:r>
-              <a:rPr lang="pt-BR" smtClean="0"/>
+              <a:rPr lang="pt-BR"/>
               <a:t>Clique para editar o texto mestre</a:t>
             </a:r>
           </a:p>
           <a:p>
             <a:pPr lvl="1"/>
             <a:r>
-              <a:rPr lang="pt-BR" smtClean="0"/>
+              <a:rPr lang="pt-BR"/>
               <a:t>Segundo nível</a:t>
             </a:r>
           </a:p>
           <a:p>
             <a:pPr lvl="2"/>
             <a:r>
-              <a:rPr lang="pt-BR" smtClean="0"/>
+              <a:rPr lang="pt-BR"/>
               <a:t>Terceiro nível</a:t>
             </a:r>
           </a:p>
           <a:p>
             <a:pPr lvl="3"/>
             <a:r>
-              <a:rPr lang="pt-BR" smtClean="0"/>
+              <a:rPr lang="pt-BR"/>
               <a:t>Quarto nível</a:t>
             </a:r>
           </a:p>
           <a:p>
             <a:pPr lvl="4"/>
             <a:r>
-              <a:rPr lang="pt-BR" smtClean="0"/>
+              <a:rPr lang="pt-BR"/>
               <a:t>Quinto nível</a:t>
             </a:r>
-            <a:endParaRPr lang="pt-BR"/>
           </a:p>
         </p:txBody>
       </p:sp>
@@ -5319,7 +5144,7 @@
           <a:p>
             <a:pPr lvl="0"/>
             <a:r>
-              <a:rPr lang="pt-BR" smtClean="0"/>
+              <a:rPr lang="pt-BR"/>
               <a:t>Clique para editar o texto mestre</a:t>
             </a:r>
           </a:p>
@@ -5347,38 +5172,37 @@
           <a:p>
             <a:pPr lvl="0"/>
             <a:r>
-              <a:rPr lang="pt-BR" smtClean="0"/>
+              <a:rPr lang="pt-BR"/>
               <a:t>Clique para editar o texto mestre</a:t>
             </a:r>
           </a:p>
           <a:p>
             <a:pPr lvl="1"/>
             <a:r>
-              <a:rPr lang="pt-BR" smtClean="0"/>
+              <a:rPr lang="pt-BR"/>
               <a:t>Segundo nível</a:t>
             </a:r>
           </a:p>
           <a:p>
             <a:pPr lvl="2"/>
             <a:r>
-              <a:rPr lang="pt-BR" smtClean="0"/>
+              <a:rPr lang="pt-BR"/>
               <a:t>Terceiro nível</a:t>
             </a:r>
           </a:p>
           <a:p>
             <a:pPr lvl="3"/>
             <a:r>
-              <a:rPr lang="pt-BR" smtClean="0"/>
+              <a:rPr lang="pt-BR"/>
               <a:t>Quarto nível</a:t>
             </a:r>
           </a:p>
           <a:p>
             <a:pPr lvl="4"/>
             <a:r>
-              <a:rPr lang="pt-BR" smtClean="0"/>
+              <a:rPr lang="pt-BR"/>
               <a:t>Quinto nível</a:t>
             </a:r>
-            <a:endParaRPr lang="pt-BR"/>
           </a:p>
         </p:txBody>
       </p:sp>
@@ -5399,7 +5223,7 @@
           <a:p>
             <a:fld id="{9642BF85-54FF-46CE-B398-87F998CFD60B}" type="datetimeFigureOut">
               <a:rPr lang="pt-BR" smtClean="0"/>
-              <a:t>07/11/2018</a:t>
+              <a:t>19/08/2020</a:t>
             </a:fld>
             <a:endParaRPr lang="pt-BR"/>
           </a:p>
@@ -5441,7 +5265,7 @@
           <a:p>
             <a:fld id="{29185252-FBA3-417A-8652-C405B89605D8}" type="slidenum">
               <a:rPr lang="pt-BR" smtClean="0"/>
-              <a:t>‹nº›</a:t>
+              <a:t>‹#›</a:t>
             </a:fld>
             <a:endParaRPr lang="pt-BR"/>
           </a:p>
@@ -5457,13 +5281,6 @@
   <p:clrMapOvr>
     <a:masterClrMapping/>
   </p:clrMapOvr>
-  <p:timing>
-    <p:tnLst>
-      <p:par>
-        <p:cTn id="1" dur="indefinite" restart="never" nodeType="tmRoot"/>
-      </p:par>
-    </p:tnLst>
-  </p:timing>
 </p:sldLayout>
 </file>
 
@@ -5517,10 +5334,9 @@
           </a:lstStyle>
           <a:p>
             <a:r>
-              <a:rPr lang="pt-BR" smtClean="0"/>
+              <a:rPr lang="pt-BR"/>
               <a:t>Clique para editar o título mestre</a:t>
             </a:r>
-            <a:endParaRPr lang="pt-BR"/>
           </a:p>
         </p:txBody>
       </p:sp>
@@ -5541,7 +5357,7 @@
           <a:p>
             <a:fld id="{9642BF85-54FF-46CE-B398-87F998CFD60B}" type="datetimeFigureOut">
               <a:rPr lang="pt-BR" smtClean="0"/>
-              <a:t>07/11/2018</a:t>
+              <a:t>19/08/2020</a:t>
             </a:fld>
             <a:endParaRPr lang="pt-BR"/>
           </a:p>
@@ -5583,7 +5399,7 @@
           <a:p>
             <a:fld id="{29185252-FBA3-417A-8652-C405B89605D8}" type="slidenum">
               <a:rPr lang="pt-BR" smtClean="0"/>
-              <a:t>‹nº›</a:t>
+              <a:t>‹#›</a:t>
             </a:fld>
             <a:endParaRPr lang="pt-BR"/>
           </a:p>
@@ -5599,13 +5415,6 @@
   <p:clrMapOvr>
     <a:masterClrMapping/>
   </p:clrMapOvr>
-  <p:timing>
-    <p:tnLst>
-      <p:par>
-        <p:cTn id="1" dur="indefinite" restart="never" nodeType="tmRoot"/>
-      </p:par>
-    </p:tnLst>
-  </p:timing>
 </p:sldLayout>
 </file>
 
@@ -5643,7 +5452,7 @@
           <a:p>
             <a:fld id="{9642BF85-54FF-46CE-B398-87F998CFD60B}" type="datetimeFigureOut">
               <a:rPr lang="pt-BR" smtClean="0"/>
-              <a:t>07/11/2018</a:t>
+              <a:t>19/08/2020</a:t>
             </a:fld>
             <a:endParaRPr lang="pt-BR"/>
           </a:p>
@@ -5685,7 +5494,7 @@
           <a:p>
             <a:fld id="{29185252-FBA3-417A-8652-C405B89605D8}" type="slidenum">
               <a:rPr lang="pt-BR" smtClean="0"/>
-              <a:t>‹nº›</a:t>
+              <a:t>‹#›</a:t>
             </a:fld>
             <a:endParaRPr lang="pt-BR"/>
           </a:p>
@@ -5701,13 +5510,6 @@
   <p:clrMapOvr>
     <a:masterClrMapping/>
   </p:clrMapOvr>
-  <p:timing>
-    <p:tnLst>
-      <p:par>
-        <p:cTn id="1" dur="indefinite" restart="never" nodeType="tmRoot"/>
-      </p:par>
-    </p:tnLst>
-  </p:timing>
 </p:sldLayout>
 </file>
 
@@ -5753,10 +5555,9 @@
           </a:lstStyle>
           <a:p>
             <a:r>
-              <a:rPr lang="pt-BR" smtClean="0"/>
+              <a:rPr lang="pt-BR"/>
               <a:t>Clique para editar o título mestre</a:t>
             </a:r>
-            <a:endParaRPr lang="pt-BR"/>
           </a:p>
         </p:txBody>
       </p:sp>
@@ -5810,38 +5611,37 @@
           <a:p>
             <a:pPr lvl="0"/>
             <a:r>
-              <a:rPr lang="pt-BR" smtClean="0"/>
+              <a:rPr lang="pt-BR"/>
               <a:t>Clique para editar o texto mestre</a:t>
             </a:r>
           </a:p>
           <a:p>
             <a:pPr lvl="1"/>
             <a:r>
-              <a:rPr lang="pt-BR" smtClean="0"/>
+              <a:rPr lang="pt-BR"/>
               <a:t>Segundo nível</a:t>
             </a:r>
           </a:p>
           <a:p>
             <a:pPr lvl="2"/>
             <a:r>
-              <a:rPr lang="pt-BR" smtClean="0"/>
+              <a:rPr lang="pt-BR"/>
               <a:t>Terceiro nível</a:t>
             </a:r>
           </a:p>
           <a:p>
             <a:pPr lvl="3"/>
             <a:r>
-              <a:rPr lang="pt-BR" smtClean="0"/>
+              <a:rPr lang="pt-BR"/>
               <a:t>Quarto nível</a:t>
             </a:r>
           </a:p>
           <a:p>
             <a:pPr lvl="4"/>
             <a:r>
-              <a:rPr lang="pt-BR" smtClean="0"/>
+              <a:rPr lang="pt-BR"/>
               <a:t>Quinto nível</a:t>
             </a:r>
-            <a:endParaRPr lang="pt-BR"/>
           </a:p>
         </p:txBody>
       </p:sp>
@@ -5904,7 +5704,7 @@
           <a:p>
             <a:pPr lvl="0"/>
             <a:r>
-              <a:rPr lang="pt-BR" smtClean="0"/>
+              <a:rPr lang="pt-BR"/>
               <a:t>Clique para editar o texto mestre</a:t>
             </a:r>
           </a:p>
@@ -5927,7 +5727,7 @@
           <a:p>
             <a:fld id="{9642BF85-54FF-46CE-B398-87F998CFD60B}" type="datetimeFigureOut">
               <a:rPr lang="pt-BR" smtClean="0"/>
-              <a:t>07/11/2018</a:t>
+              <a:t>19/08/2020</a:t>
             </a:fld>
             <a:endParaRPr lang="pt-BR"/>
           </a:p>
@@ -5969,7 +5769,7 @@
           <a:p>
             <a:fld id="{29185252-FBA3-417A-8652-C405B89605D8}" type="slidenum">
               <a:rPr lang="pt-BR" smtClean="0"/>
-              <a:t>‹nº›</a:t>
+              <a:t>‹#›</a:t>
             </a:fld>
             <a:endParaRPr lang="pt-BR"/>
           </a:p>
@@ -5985,13 +5785,6 @@
   <p:clrMapOvr>
     <a:masterClrMapping/>
   </p:clrMapOvr>
-  <p:timing>
-    <p:tnLst>
-      <p:par>
-        <p:cTn id="1" dur="indefinite" restart="never" nodeType="tmRoot"/>
-      </p:par>
-    </p:tnLst>
-  </p:timing>
 </p:sldLayout>
 </file>
 
@@ -6037,10 +5830,9 @@
           </a:lstStyle>
           <a:p>
             <a:r>
-              <a:rPr lang="pt-BR" smtClean="0"/>
+              <a:rPr lang="pt-BR"/>
               <a:t>Clique para editar o título mestre</a:t>
             </a:r>
-            <a:endParaRPr lang="pt-BR"/>
           </a:p>
         </p:txBody>
       </p:sp>
@@ -6164,7 +5956,7 @@
           <a:p>
             <a:pPr lvl="0"/>
             <a:r>
-              <a:rPr lang="pt-BR" smtClean="0"/>
+              <a:rPr lang="pt-BR"/>
               <a:t>Clique para editar o texto mestre</a:t>
             </a:r>
           </a:p>
@@ -6187,7 +5979,7 @@
           <a:p>
             <a:fld id="{9642BF85-54FF-46CE-B398-87F998CFD60B}" type="datetimeFigureOut">
               <a:rPr lang="pt-BR" smtClean="0"/>
-              <a:t>07/11/2018</a:t>
+              <a:t>19/08/2020</a:t>
             </a:fld>
             <a:endParaRPr lang="pt-BR"/>
           </a:p>
@@ -6229,7 +6021,7 @@
           <a:p>
             <a:fld id="{29185252-FBA3-417A-8652-C405B89605D8}" type="slidenum">
               <a:rPr lang="pt-BR" smtClean="0"/>
-              <a:t>‹nº›</a:t>
+              <a:t>‹#›</a:t>
             </a:fld>
             <a:endParaRPr lang="pt-BR"/>
           </a:p>
@@ -6245,13 +6037,6 @@
   <p:clrMapOvr>
     <a:masterClrMapping/>
   </p:clrMapOvr>
-  <p:timing>
-    <p:tnLst>
-      <p:par>
-        <p:cTn id="1" dur="indefinite" restart="never" nodeType="tmRoot"/>
-      </p:par>
-    </p:tnLst>
-  </p:timing>
 </p:sldLayout>
 </file>
 
@@ -6312,10 +6097,9 @@
           <a:lstStyle/>
           <a:p>
             <a:r>
-              <a:rPr lang="pt-BR" dirty="0" smtClean="0"/>
+              <a:rPr lang="pt-BR" dirty="0"/>
               <a:t>Clique para editar o título mestre</a:t>
             </a:r>
-            <a:endParaRPr lang="pt-BR" dirty="0"/>
           </a:p>
         </p:txBody>
       </p:sp>
@@ -6346,38 +6130,37 @@
           <a:p>
             <a:pPr lvl="0"/>
             <a:r>
-              <a:rPr lang="pt-BR" dirty="0" smtClean="0"/>
+              <a:rPr lang="pt-BR" dirty="0"/>
               <a:t>Clique para editar o texto mestre</a:t>
             </a:r>
           </a:p>
           <a:p>
             <a:pPr lvl="1"/>
             <a:r>
-              <a:rPr lang="pt-BR" dirty="0" smtClean="0"/>
+              <a:rPr lang="pt-BR" dirty="0"/>
               <a:t>Segundo nível</a:t>
             </a:r>
           </a:p>
           <a:p>
             <a:pPr lvl="2"/>
             <a:r>
-              <a:rPr lang="pt-BR" dirty="0" smtClean="0"/>
+              <a:rPr lang="pt-BR" dirty="0"/>
               <a:t>Terceiro nível</a:t>
             </a:r>
           </a:p>
           <a:p>
             <a:pPr lvl="3"/>
             <a:r>
-              <a:rPr lang="pt-BR" dirty="0" smtClean="0"/>
+              <a:rPr lang="pt-BR" dirty="0"/>
               <a:t>Quarto nível</a:t>
             </a:r>
           </a:p>
           <a:p>
             <a:pPr lvl="4"/>
             <a:r>
-              <a:rPr lang="pt-BR" dirty="0" smtClean="0"/>
+              <a:rPr lang="pt-BR" dirty="0"/>
               <a:t>Quinto nível</a:t>
             </a:r>
-            <a:endParaRPr lang="pt-BR" dirty="0"/>
           </a:p>
         </p:txBody>
       </p:sp>
@@ -6416,7 +6199,7 @@
           <a:p>
             <a:fld id="{9642BF85-54FF-46CE-B398-87F998CFD60B}" type="datetimeFigureOut">
               <a:rPr lang="pt-BR" smtClean="0"/>
-              <a:t>07/11/2018</a:t>
+              <a:t>19/08/2020</a:t>
             </a:fld>
             <a:endParaRPr lang="pt-BR"/>
           </a:p>
@@ -6494,7 +6277,7 @@
           <a:p>
             <a:fld id="{29185252-FBA3-417A-8652-C405B89605D8}" type="slidenum">
               <a:rPr lang="pt-BR" smtClean="0"/>
-              <a:t>‹nº›</a:t>
+              <a:t>‹#›</a:t>
             </a:fld>
             <a:endParaRPr lang="pt-BR"/>
           </a:p>
@@ -6521,13 +6304,6 @@
     <p:sldLayoutId id="2147483658" r:id="rId10"/>
     <p:sldLayoutId id="2147483659" r:id="rId11"/>
   </p:sldLayoutIdLst>
-  <p:timing>
-    <p:tnLst>
-      <p:par>
-        <p:cTn id="1" dur="indefinite" restart="never" nodeType="tmRoot"/>
-      </p:par>
-    </p:tnLst>
-  </p:timing>
   <p:txStyles>
     <p:titleStyle>
       <a:lvl1pPr algn="l" defTabSz="914400" rtl="0" eaLnBrk="1" latinLnBrk="0" hangingPunct="1">
@@ -6859,10 +6635,9 @@
           <a:lstStyle/>
           <a:p>
             <a:r>
-              <a:rPr lang="pt-BR" dirty="0" smtClean="0"/>
+              <a:rPr lang="pt-BR" dirty="0"/>
               <a:t>IHC</a:t>
             </a:r>
-            <a:endParaRPr lang="pt-BR" dirty="0"/>
           </a:p>
         </p:txBody>
       </p:sp>
@@ -6882,10 +6657,9 @@
           <a:lstStyle/>
           <a:p>
             <a:r>
-              <a:rPr lang="pt-BR" dirty="0" smtClean="0"/>
+              <a:rPr lang="pt-BR" dirty="0"/>
               <a:t>Interação Humano-Computador</a:t>
             </a:r>
-            <a:endParaRPr lang="pt-BR" dirty="0"/>
           </a:p>
         </p:txBody>
       </p:sp>
@@ -6899,13 +6673,6 @@
   <p:clrMapOvr>
     <a:masterClrMapping/>
   </p:clrMapOvr>
-  <p:timing>
-    <p:tnLst>
-      <p:par>
-        <p:cTn id="1" dur="indefinite" restart="never" nodeType="tmRoot"/>
-      </p:par>
-    </p:tnLst>
-  </p:timing>
 </p:sld>
 </file>
 
@@ -6942,10 +6709,9 @@
           <a:lstStyle/>
           <a:p>
             <a:r>
-              <a:rPr lang="pt-BR" dirty="0" smtClean="0"/>
+              <a:rPr lang="pt-BR" dirty="0"/>
               <a:t>Componentes da Qualidade</a:t>
             </a:r>
-            <a:endParaRPr lang="pt-BR" dirty="0"/>
           </a:p>
         </p:txBody>
       </p:sp>
@@ -6984,13 +6750,6 @@
   <p:clrMapOvr>
     <a:masterClrMapping/>
   </p:clrMapOvr>
-  <p:timing>
-    <p:tnLst>
-      <p:par>
-        <p:cTn id="1" dur="indefinite" restart="never" nodeType="tmRoot"/>
-      </p:par>
-    </p:tnLst>
-  </p:timing>
 </p:sld>
 </file>
 
@@ -7027,10 +6786,9 @@
           <a:lstStyle/>
           <a:p>
             <a:r>
-              <a:rPr lang="pt-BR" dirty="0" smtClean="0"/>
+              <a:rPr lang="pt-BR" dirty="0"/>
               <a:t>Métodos de Trabalho</a:t>
             </a:r>
-            <a:endParaRPr lang="pt-BR" dirty="0"/>
           </a:p>
         </p:txBody>
       </p:sp>
@@ -7047,7 +6805,7 @@
         <p:spPr/>
         <p:txBody>
           <a:bodyPr>
-            <a:normAutofit lnSpcReduction="10000"/>
+            <a:normAutofit/>
           </a:bodyPr>
           <a:lstStyle/>
           <a:p>
@@ -7056,7 +6814,7 @@
               <a:buChar char="•"/>
             </a:pPr>
             <a:r>
-              <a:rPr lang="pt-BR" dirty="0" smtClean="0"/>
+              <a:rPr lang="pt-BR" dirty="0"/>
               <a:t>Público-alvo</a:t>
             </a:r>
           </a:p>
@@ -7066,7 +6824,7 @@
               <a:buChar char="•"/>
             </a:pPr>
             <a:r>
-              <a:rPr lang="pt-BR" dirty="0" smtClean="0"/>
+              <a:rPr lang="pt-BR" dirty="0"/>
               <a:t>Objetivo</a:t>
             </a:r>
           </a:p>
@@ -7076,10 +6834,9 @@
               <a:buChar char="•"/>
             </a:pPr>
             <a:r>
-              <a:rPr lang="pt-BR" dirty="0" smtClean="0"/>
+              <a:rPr lang="pt-BR" dirty="0"/>
               <a:t>Personas</a:t>
             </a:r>
-            <a:endParaRPr lang="pt-BR" dirty="0" smtClean="0"/>
           </a:p>
           <a:p>
             <a:pPr marL="457200" indent="-457200" algn="l">
@@ -7087,18 +6844,18 @@
               <a:buChar char="•"/>
             </a:pPr>
             <a:r>
-              <a:rPr lang="pt-BR" dirty="0" err="1" smtClean="0"/>
+              <a:rPr lang="pt-BR" dirty="0" err="1"/>
               <a:t>Card</a:t>
             </a:r>
             <a:r>
-              <a:rPr lang="pt-BR" dirty="0" smtClean="0"/>
+              <a:rPr lang="pt-BR" dirty="0"/>
               <a:t> </a:t>
             </a:r>
             <a:r>
-              <a:rPr lang="pt-BR" dirty="0" err="1" smtClean="0"/>
+              <a:rPr lang="pt-BR" dirty="0" err="1"/>
               <a:t>Sorting</a:t>
             </a:r>
-            <a:endParaRPr lang="pt-BR" dirty="0" smtClean="0"/>
+            <a:endParaRPr lang="pt-BR" dirty="0"/>
           </a:p>
           <a:p>
             <a:pPr marL="457200" indent="-457200" algn="l">
@@ -7106,10 +6863,10 @@
               <a:buChar char="•"/>
             </a:pPr>
             <a:r>
-              <a:rPr lang="pt-BR" dirty="0" err="1" smtClean="0"/>
+              <a:rPr lang="pt-BR" dirty="0" err="1"/>
               <a:t>Sitemap</a:t>
             </a:r>
-            <a:endParaRPr lang="pt-BR" dirty="0" smtClean="0"/>
+            <a:endParaRPr lang="pt-BR" dirty="0"/>
           </a:p>
           <a:p>
             <a:pPr marL="457200" indent="-457200" algn="l">
@@ -7117,36 +6874,9 @@
               <a:buChar char="•"/>
             </a:pPr>
             <a:r>
-              <a:rPr lang="pt-BR" dirty="0" err="1" smtClean="0"/>
+              <a:rPr lang="pt-BR" dirty="0" err="1"/>
               <a:t>Wireframes</a:t>
             </a:r>
-            <a:endParaRPr lang="pt-BR" dirty="0" smtClean="0"/>
-          </a:p>
-          <a:p>
-            <a:pPr marL="457200" indent="-457200" algn="l">
-              <a:buFont typeface="Arial" panose="020B0604020202020204" pitchFamily="34" charset="0"/>
-              <a:buChar char="•"/>
-            </a:pPr>
-            <a:r>
-              <a:rPr lang="pt-BR" dirty="0" smtClean="0"/>
-              <a:t>Protótipos</a:t>
-            </a:r>
-          </a:p>
-          <a:p>
-            <a:pPr marL="457200" indent="-457200" algn="l">
-              <a:buFont typeface="Arial" panose="020B0604020202020204" pitchFamily="34" charset="0"/>
-              <a:buChar char="•"/>
-            </a:pPr>
-            <a:r>
-              <a:rPr lang="pt-BR" dirty="0" smtClean="0"/>
-              <a:t>Análise Heurística</a:t>
-            </a:r>
-          </a:p>
-          <a:p>
-            <a:pPr marL="457200" indent="-457200" algn="l">
-              <a:buFont typeface="Arial" panose="020B0604020202020204" pitchFamily="34" charset="0"/>
-              <a:buChar char="•"/>
-            </a:pPr>
             <a:endParaRPr lang="pt-BR" dirty="0"/>
           </a:p>
         </p:txBody>
@@ -7161,13 +6891,6 @@
   <p:clrMapOvr>
     <a:masterClrMapping/>
   </p:clrMapOvr>
-  <p:timing>
-    <p:tnLst>
-      <p:par>
-        <p:cTn id="1" dur="indefinite" restart="never" nodeType="tmRoot"/>
-      </p:par>
-    </p:tnLst>
-  </p:timing>
 </p:sld>
 </file>
 
@@ -7204,14 +6927,9 @@
           <a:lstStyle/>
           <a:p>
             <a:r>
-              <a:rPr lang="pt-BR" dirty="0" smtClean="0"/>
-              <a:t>Público</a:t>
-            </a:r>
-            <a:r>
-              <a:rPr lang="pt-BR" dirty="0" smtClean="0"/>
-              <a:t>-alvo</a:t>
-            </a:r>
-            <a:endParaRPr lang="pt-BR" dirty="0"/>
+              <a:rPr lang="pt-BR" dirty="0"/>
+              <a:t>Público-alvo</a:t>
+            </a:r>
           </a:p>
         </p:txBody>
       </p:sp>
@@ -7233,16 +6951,15 @@
           <a:lstStyle/>
           <a:p>
             <a:r>
-              <a:rPr lang="pt-BR" dirty="0" smtClean="0"/>
+              <a:rPr lang="pt-BR" dirty="0"/>
               <a:t>Definição dos usuários que têm interesse no conteúdo que o site irá disponibilizar.</a:t>
             </a:r>
           </a:p>
           <a:p>
             <a:r>
-              <a:rPr lang="pt-BR" dirty="0" smtClean="0"/>
+              <a:rPr lang="pt-BR" dirty="0"/>
               <a:t>Redigir um parágrafo ou dois que descreva as características principais desses usuários.</a:t>
             </a:r>
-            <a:endParaRPr lang="pt-BR" dirty="0"/>
           </a:p>
         </p:txBody>
       </p:sp>
@@ -7256,13 +6973,6 @@
   <p:clrMapOvr>
     <a:masterClrMapping/>
   </p:clrMapOvr>
-  <p:timing>
-    <p:tnLst>
-      <p:par>
-        <p:cTn id="1" dur="indefinite" restart="never" nodeType="tmRoot"/>
-      </p:par>
-    </p:tnLst>
-  </p:timing>
 </p:sld>
 </file>
 
@@ -7299,10 +7009,9 @@
           <a:lstStyle/>
           <a:p>
             <a:r>
-              <a:rPr lang="pt-BR" dirty="0" smtClean="0"/>
+              <a:rPr lang="pt-BR" dirty="0"/>
               <a:t>Objetivo</a:t>
             </a:r>
-            <a:endParaRPr lang="pt-BR" dirty="0"/>
           </a:p>
         </p:txBody>
       </p:sp>
@@ -7325,16 +7034,11 @@
           <a:p>
             <a:r>
               <a:rPr lang="pt-BR" dirty="0"/>
-              <a:t>Redigir um parágrafo ou dois que </a:t>
-            </a:r>
-            <a:r>
-              <a:rPr lang="pt-BR" dirty="0" smtClean="0"/>
-              <a:t>responda às questões abaixo:</a:t>
-            </a:r>
-            <a:endParaRPr lang="pt-BR" dirty="0" smtClean="0"/>
-          </a:p>
-          <a:p>
-            <a:endParaRPr lang="pt-BR" dirty="0" smtClean="0"/>
+              <a:t>Redigir um parágrafo ou dois que responda às questões abaixo:</a:t>
+            </a:r>
+          </a:p>
+          <a:p>
+            <a:endParaRPr lang="pt-BR" dirty="0"/>
           </a:p>
           <a:p>
             <a:pPr marL="457200" indent="-457200" algn="l">
@@ -7342,7 +7046,7 @@
               <a:buChar char="•"/>
             </a:pPr>
             <a:r>
-              <a:rPr lang="pt-BR" dirty="0" smtClean="0"/>
+              <a:rPr lang="pt-BR" dirty="0"/>
               <a:t>O que será disponibilizado?</a:t>
             </a:r>
           </a:p>
@@ -7352,7 +7056,7 @@
               <a:buChar char="•"/>
             </a:pPr>
             <a:r>
-              <a:rPr lang="pt-BR" dirty="0" smtClean="0"/>
+              <a:rPr lang="pt-BR" dirty="0"/>
               <a:t>Como será disponibilizado?</a:t>
             </a:r>
           </a:p>
@@ -7362,21 +7066,21 @@
               <a:buChar char="•"/>
             </a:pPr>
             <a:r>
-              <a:rPr lang="pt-BR" dirty="0" smtClean="0"/>
+              <a:rPr lang="pt-BR" dirty="0"/>
               <a:t>O que diferencia seu site </a:t>
             </a:r>
             <a:r>
-              <a:rPr lang="pt-BR" smtClean="0"/>
+              <a:rPr lang="pt-BR"/>
               <a:t>dos demais?</a:t>
             </a:r>
-            <a:endParaRPr lang="pt-BR" dirty="0" smtClean="0"/>
+            <a:endParaRPr lang="pt-BR" dirty="0"/>
           </a:p>
           <a:p>
             <a:pPr marL="457200" indent="-457200" algn="l">
               <a:buFont typeface="Arial" panose="020B0604020202020204" pitchFamily="34" charset="0"/>
               <a:buChar char="•"/>
             </a:pPr>
-            <a:endParaRPr lang="pt-BR" dirty="0" smtClean="0"/>
+            <a:endParaRPr lang="pt-BR" dirty="0"/>
           </a:p>
           <a:p>
             <a:endParaRPr lang="pt-BR" dirty="0"/>
@@ -7393,13 +7097,6 @@
   <p:clrMapOvr>
     <a:masterClrMapping/>
   </p:clrMapOvr>
-  <p:timing>
-    <p:tnLst>
-      <p:par>
-        <p:cTn id="1" dur="indefinite" restart="never" nodeType="tmRoot"/>
-      </p:par>
-    </p:tnLst>
-  </p:timing>
 </p:sld>
 </file>
 
@@ -7436,10 +7133,9 @@
           <a:lstStyle/>
           <a:p>
             <a:r>
-              <a:rPr lang="pt-BR" dirty="0" smtClean="0"/>
+              <a:rPr lang="pt-BR" dirty="0"/>
               <a:t>Personas</a:t>
             </a:r>
-            <a:endParaRPr lang="pt-BR" dirty="0"/>
           </a:p>
         </p:txBody>
       </p:sp>
@@ -7459,29 +7155,29 @@
           <a:lstStyle/>
           <a:p>
             <a:r>
-              <a:rPr lang="pt-BR" dirty="0" smtClean="0"/>
+              <a:rPr lang="pt-BR" dirty="0"/>
               <a:t>Personagens criadas para representar os diferentes públicos que utilizam um site.</a:t>
             </a:r>
           </a:p>
           <a:p>
             <a:r>
-              <a:rPr lang="pt-BR" dirty="0" smtClean="0"/>
+              <a:rPr lang="pt-BR" dirty="0"/>
               <a:t>São atribuídos nomes, profissões, personalidades e aspirações a essas personagens.</a:t>
             </a:r>
           </a:p>
           <a:p>
             <a:r>
-              <a:rPr lang="pt-BR" dirty="0" smtClean="0"/>
+              <a:rPr lang="pt-BR" dirty="0"/>
               <a:t>[ </a:t>
             </a:r>
             <a:r>
-              <a:rPr lang="pt-BR" dirty="0" smtClean="0">
+              <a:rPr lang="pt-BR" dirty="0">
                 <a:hlinkClick r:id="rId2"/>
               </a:rPr>
               <a:t>modelos</a:t>
             </a:r>
             <a:r>
-              <a:rPr lang="pt-BR" dirty="0" smtClean="0"/>
+              <a:rPr lang="pt-BR" dirty="0"/>
               <a:t> ]</a:t>
             </a:r>
           </a:p>
@@ -7545,13 +7241,6 @@
   <p:clrMapOvr>
     <a:masterClrMapping/>
   </p:clrMapOvr>
-  <p:timing>
-    <p:tnLst>
-      <p:par>
-        <p:cTn id="1" dur="indefinite" restart="never" nodeType="tmRoot"/>
-      </p:par>
-    </p:tnLst>
-  </p:timing>
 </p:sld>
 </file>
 
@@ -7588,15 +7277,15 @@
           <a:lstStyle/>
           <a:p>
             <a:r>
-              <a:rPr lang="pt-BR" dirty="0" err="1" smtClean="0"/>
+              <a:rPr lang="pt-BR" dirty="0" err="1"/>
               <a:t>Card</a:t>
             </a:r>
             <a:r>
-              <a:rPr lang="pt-BR" dirty="0" smtClean="0"/>
+              <a:rPr lang="pt-BR" dirty="0"/>
               <a:t> </a:t>
             </a:r>
             <a:r>
-              <a:rPr lang="pt-BR" dirty="0" err="1" smtClean="0"/>
+              <a:rPr lang="pt-BR" dirty="0" err="1"/>
               <a:t>Sorting</a:t>
             </a:r>
             <a:endParaRPr lang="pt-BR" dirty="0"/>
@@ -7619,13 +7308,13 @@
           <a:lstStyle/>
           <a:p>
             <a:r>
-              <a:rPr lang="pt-BR" dirty="0" smtClean="0"/>
+              <a:rPr lang="pt-BR" dirty="0"/>
               <a:t>Método de organização em que um conjunto de cartões representa os conteúdos do site e as categorias em que eles podem ser organizados.</a:t>
             </a:r>
           </a:p>
           <a:p>
             <a:r>
-              <a:rPr lang="pt-BR" dirty="0" smtClean="0"/>
+              <a:rPr lang="pt-BR" dirty="0"/>
               <a:t>Os participantes agrupam os cartões da forma que lhes parecer mais adequada.</a:t>
             </a:r>
           </a:p>
@@ -7689,13 +7378,6 @@
   <p:clrMapOvr>
     <a:masterClrMapping/>
   </p:clrMapOvr>
-  <p:timing>
-    <p:tnLst>
-      <p:par>
-        <p:cTn id="1" dur="indefinite" restart="never" nodeType="tmRoot"/>
-      </p:par>
-    </p:tnLst>
-  </p:timing>
 </p:sld>
 </file>
 
@@ -7732,7 +7414,7 @@
           <a:lstStyle/>
           <a:p>
             <a:r>
-              <a:rPr lang="pt-BR" dirty="0" err="1" smtClean="0"/>
+              <a:rPr lang="pt-BR" dirty="0" err="1"/>
               <a:t>Sitemap</a:t>
             </a:r>
             <a:endParaRPr lang="pt-BR" dirty="0"/>
@@ -7760,7 +7442,7 @@
           <a:lstStyle/>
           <a:p>
             <a:r>
-              <a:rPr lang="pt-BR" dirty="0" smtClean="0"/>
+              <a:rPr lang="pt-BR" dirty="0"/>
               <a:t>Diagrama que mostra a estrutura de um site ou sistema. Deve mapear as principais telas e fluxos do site. O diagrama deve traduzir visualmente também as principais interações possíveis no sistema.</a:t>
             </a:r>
           </a:p>
@@ -7830,20 +7512,19 @@
           <a:lstStyle/>
           <a:p>
             <a:r>
-              <a:rPr lang="pt-BR" dirty="0" smtClean="0"/>
+              <a:rPr lang="pt-BR" dirty="0"/>
               <a:t>[ </a:t>
             </a:r>
             <a:r>
-              <a:rPr lang="pt-BR" dirty="0" err="1" smtClean="0">
+              <a:rPr lang="pt-BR" dirty="0" err="1">
                 <a:hlinkClick r:id="rId3"/>
               </a:rPr>
               <a:t>Writemaps</a:t>
             </a:r>
             <a:r>
-              <a:rPr lang="pt-BR" dirty="0" smtClean="0"/>
+              <a:rPr lang="pt-BR" dirty="0"/>
               <a:t> ]</a:t>
             </a:r>
-            <a:endParaRPr lang="pt-BR" dirty="0"/>
           </a:p>
         </p:txBody>
       </p:sp>
@@ -7857,13 +7538,6 @@
   <p:clrMapOvr>
     <a:masterClrMapping/>
   </p:clrMapOvr>
-  <p:timing>
-    <p:tnLst>
-      <p:par>
-        <p:cTn id="1" dur="indefinite" restart="never" nodeType="tmRoot"/>
-      </p:par>
-    </p:tnLst>
-  </p:timing>
 </p:sld>
 </file>
 
@@ -7900,7 +7574,7 @@
           <a:lstStyle/>
           <a:p>
             <a:r>
-              <a:rPr lang="pt-BR" dirty="0" err="1" smtClean="0"/>
+              <a:rPr lang="pt-BR" dirty="0" err="1"/>
               <a:t>Wireframes</a:t>
             </a:r>
             <a:endParaRPr lang="pt-BR" dirty="0"/>
@@ -7923,55 +7597,18 @@
           <a:lstStyle/>
           <a:p>
             <a:r>
-              <a:rPr lang="pt-BR" dirty="0" err="1" smtClean="0"/>
+              <a:rPr lang="pt-BR" dirty="0" err="1"/>
               <a:t>Wireframe</a:t>
             </a:r>
             <a:r>
-              <a:rPr lang="pt-BR" dirty="0" smtClean="0"/>
-              <a:t> </a:t>
-            </a:r>
-            <a:r>
               <a:rPr lang="pt-BR" dirty="0"/>
-              <a:t>é um desenho </a:t>
-            </a:r>
-            <a:r>
-              <a:rPr lang="pt-BR" dirty="0" smtClean="0"/>
-              <a:t>básico </a:t>
-            </a:r>
+              <a:t> é um desenho básico que demonstra de modo direto a arquitetura de uma página Web. </a:t>
+            </a:r>
+          </a:p>
+          <a:p>
             <a:r>
               <a:rPr lang="pt-BR" dirty="0"/>
-              <a:t>que demonstra de </a:t>
-            </a:r>
-            <a:r>
-              <a:rPr lang="pt-BR" dirty="0" smtClean="0"/>
-              <a:t>modo direto </a:t>
-            </a:r>
-            <a:r>
-              <a:rPr lang="pt-BR" dirty="0"/>
-              <a:t>a arquitetura </a:t>
-            </a:r>
-            <a:r>
-              <a:rPr lang="pt-BR" dirty="0" smtClean="0"/>
-              <a:t>de uma página Web. </a:t>
-            </a:r>
-            <a:endParaRPr lang="pt-BR" dirty="0"/>
-          </a:p>
-          <a:p>
-            <a:r>
-              <a:rPr lang="pt-BR" dirty="0"/>
-              <a:t>Ele é elaborado para organizar os elementos </a:t>
-            </a:r>
-            <a:r>
-              <a:rPr lang="pt-BR" dirty="0" smtClean="0"/>
-              <a:t>da página, </a:t>
-            </a:r>
-            <a:r>
-              <a:rPr lang="pt-BR" dirty="0"/>
-              <a:t>no entanto, ele deve ser feito da maneira mais simples possível, mostrando apenas o </a:t>
-            </a:r>
-            <a:r>
-              <a:rPr lang="pt-BR" dirty="0" smtClean="0"/>
-              <a:t>essencial.</a:t>
+              <a:t>Ele é elaborado para organizar os elementos da página, no entanto, ele deve ser feito da maneira mais simples possível, mostrando apenas o essencial.</a:t>
             </a:r>
           </a:p>
         </p:txBody>
@@ -7986,13 +7623,6 @@
   <p:clrMapOvr>
     <a:masterClrMapping/>
   </p:clrMapOvr>
-  <p:timing>
-    <p:tnLst>
-      <p:par>
-        <p:cTn id="1" dur="indefinite" restart="never" nodeType="tmRoot"/>
-      </p:par>
-    </p:tnLst>
-  </p:timing>
 </p:sld>
 </file>
 
@@ -8029,7 +7659,7 @@
           <a:lstStyle/>
           <a:p>
             <a:r>
-              <a:rPr lang="pt-BR" dirty="0" err="1" smtClean="0"/>
+              <a:rPr lang="pt-BR" dirty="0" err="1"/>
               <a:t>Wireframes</a:t>
             </a:r>
             <a:endParaRPr lang="pt-BR" dirty="0"/>
@@ -8113,13 +7743,8 @@
             </a:r>
             <a:r>
               <a:rPr lang="pt-BR" dirty="0"/>
-              <a:t> </a:t>
-            </a:r>
-            <a:r>
-              <a:rPr lang="pt-BR" dirty="0" smtClean="0"/>
-              <a:t>]</a:t>
-            </a:r>
-            <a:endParaRPr lang="pt-BR" dirty="0"/>
+              <a:t> ]</a:t>
+            </a:r>
           </a:p>
         </p:txBody>
       </p:sp>
@@ -8133,13 +7758,6 @@
   <p:clrMapOvr>
     <a:masterClrMapping/>
   </p:clrMapOvr>
-  <p:timing>
-    <p:tnLst>
-      <p:par>
-        <p:cTn id="1" dur="indefinite" restart="never" nodeType="tmRoot"/>
-      </p:par>
-    </p:tnLst>
-  </p:timing>
 </p:sld>
 </file>
 
@@ -8176,10 +7794,9 @@
           <a:lstStyle/>
           <a:p>
             <a:r>
-              <a:rPr lang="pt-BR" dirty="0" smtClean="0"/>
+              <a:rPr lang="pt-BR" dirty="0"/>
               <a:t>Usabilidade na Web</a:t>
             </a:r>
-            <a:endParaRPr lang="pt-BR" dirty="0"/>
           </a:p>
         </p:txBody>
       </p:sp>
@@ -8216,13 +7833,6 @@
   <p:clrMapOvr>
     <a:masterClrMapping/>
   </p:clrMapOvr>
-  <p:timing>
-    <p:tnLst>
-      <p:par>
-        <p:cTn id="1" dur="indefinite" restart="never" nodeType="tmRoot"/>
-      </p:par>
-    </p:tnLst>
-  </p:timing>
 </p:sld>
 </file>
 
@@ -8259,55 +7869,34 @@
           <a:lstStyle/>
           <a:p>
             <a:r>
-              <a:rPr lang="pt-BR" dirty="0" smtClean="0"/>
+              <a:rPr lang="pt-BR" dirty="0"/>
               <a:t>IHC</a:t>
             </a:r>
+          </a:p>
+        </p:txBody>
+      </p:sp>
+      <p:sp>
+        <p:nvSpPr>
+          <p:cNvPr id="6" name="Espaço Reservado para Conteúdo 5"/>
+          <p:cNvSpPr>
+            <a:spLocks noGrp="1"/>
+          </p:cNvSpPr>
+          <p:nvPr>
+            <p:ph idx="1"/>
+          </p:nvPr>
+        </p:nvSpPr>
+        <p:spPr/>
+        <p:txBody>
+          <a:bodyPr/>
+          <a:lstStyle/>
+          <a:p>
+            <a:r>
+              <a:rPr lang="pt-BR" dirty="0"/>
+              <a:t>Emergiu na década de 80, como novo campo de investigação preocupado não somente com o design computacional, mas também com os interesses dos usuários.</a:t>
+            </a:r>
+          </a:p>
+          <a:p>
             <a:endParaRPr lang="pt-BR" dirty="0"/>
-          </a:p>
-        </p:txBody>
-      </p:sp>
-      <p:sp>
-        <p:nvSpPr>
-          <p:cNvPr id="6" name="Espaço Reservado para Conteúdo 5"/>
-          <p:cNvSpPr>
-            <a:spLocks noGrp="1"/>
-          </p:cNvSpPr>
-          <p:nvPr>
-            <p:ph idx="1"/>
-          </p:nvPr>
-        </p:nvSpPr>
-        <p:spPr/>
-        <p:txBody>
-          <a:bodyPr/>
-          <a:lstStyle/>
-          <a:p>
-            <a:r>
-              <a:rPr lang="pt-BR" dirty="0"/>
-              <a:t>Emergiu na década de 80, como novo campo de investigação preocupado não somente com o design computacional, </a:t>
-            </a:r>
-            <a:r>
-              <a:rPr lang="pt-BR" dirty="0" smtClean="0"/>
-              <a:t>mas também </a:t>
-            </a:r>
-            <a:r>
-              <a:rPr lang="pt-BR" dirty="0"/>
-              <a:t>com </a:t>
-            </a:r>
-            <a:r>
-              <a:rPr lang="pt-BR" dirty="0" smtClean="0"/>
-              <a:t>os </a:t>
-            </a:r>
-            <a:r>
-              <a:rPr lang="pt-BR" dirty="0"/>
-              <a:t>interesses dos usuários</a:t>
-            </a:r>
-            <a:r>
-              <a:rPr lang="pt-BR" dirty="0" smtClean="0"/>
-              <a:t>.</a:t>
-            </a:r>
-          </a:p>
-          <a:p>
-            <a:endParaRPr lang="pt-BR" dirty="0" smtClean="0"/>
           </a:p>
           <a:p>
             <a:r>
@@ -8328,13 +7917,6 @@
   <p:clrMapOvr>
     <a:masterClrMapping/>
   </p:clrMapOvr>
-  <p:timing>
-    <p:tnLst>
-      <p:par>
-        <p:cTn id="1" dur="indefinite" restart="never" nodeType="tmRoot"/>
-      </p:par>
-    </p:tnLst>
-  </p:timing>
 </p:sld>
 </file>
 
@@ -8371,10 +7953,9 @@
           <a:lstStyle/>
           <a:p>
             <a:r>
-              <a:rPr lang="pt-BR" dirty="0" smtClean="0"/>
+              <a:rPr lang="pt-BR" dirty="0"/>
               <a:t>Regra dos 3 cliques</a:t>
             </a:r>
-            <a:endParaRPr lang="pt-BR" dirty="0"/>
           </a:p>
         </p:txBody>
       </p:sp>
@@ -8394,10 +7975,9 @@
           <a:lstStyle/>
           <a:p>
             <a:r>
-              <a:rPr lang="pt-BR" dirty="0" smtClean="0"/>
+              <a:rPr lang="pt-BR" dirty="0"/>
               <a:t>A capacidade dos usuários de encontrar produtos em um site de comércio eletrônico aumentou 600% depois que o design foi alterado para que os produtos estivessem a quatro cliques da homepage. O design revisado era mais rápido e mais gerenciável porque os usuários não tinham de gastar tanto tempo pensando onde clicar.</a:t>
             </a:r>
-            <a:endParaRPr lang="pt-BR" dirty="0"/>
           </a:p>
         </p:txBody>
       </p:sp>
@@ -8447,10 +8027,9 @@
           <a:lstStyle/>
           <a:p>
             <a:r>
-              <a:rPr lang="pt-BR" dirty="0" smtClean="0"/>
+              <a:rPr lang="pt-BR" dirty="0"/>
               <a:t>Erros de layout comuns</a:t>
             </a:r>
-            <a:endParaRPr lang="pt-BR" dirty="0"/>
           </a:p>
         </p:txBody>
       </p:sp>
@@ -8474,7 +8053,7 @@
               <a:buChar char="•"/>
             </a:pPr>
             <a:r>
-              <a:rPr lang="pt-BR" dirty="0" smtClean="0"/>
+              <a:rPr lang="pt-BR" dirty="0"/>
               <a:t>Página não estruturada em ordem de prioridade;</a:t>
             </a:r>
           </a:p>
@@ -8484,7 +8063,7 @@
               <a:buChar char="•"/>
             </a:pPr>
             <a:r>
-              <a:rPr lang="pt-BR" dirty="0" smtClean="0"/>
+              <a:rPr lang="pt-BR" dirty="0"/>
               <a:t>Interações excessivamente complexas e que não oferecem orientação;</a:t>
             </a:r>
           </a:p>
@@ -8494,7 +8073,7 @@
               <a:buChar char="•"/>
             </a:pPr>
             <a:r>
-              <a:rPr lang="pt-BR" dirty="0" smtClean="0"/>
+              <a:rPr lang="pt-BR" dirty="0"/>
               <a:t>Áreas relacionadas não agrupadas em boa proximidade;</a:t>
             </a:r>
           </a:p>
@@ -8504,7 +8083,7 @@
               <a:buChar char="•"/>
             </a:pPr>
             <a:r>
-              <a:rPr lang="pt-BR" dirty="0" smtClean="0"/>
+              <a:rPr lang="pt-BR" dirty="0"/>
               <a:t>Elementos não alinhados adequadamente para criar ordem;</a:t>
             </a:r>
           </a:p>
@@ -8514,7 +8093,7 @@
               <a:buChar char="•"/>
             </a:pPr>
             <a:r>
-              <a:rPr lang="pt-BR" dirty="0" smtClean="0"/>
+              <a:rPr lang="pt-BR" dirty="0"/>
               <a:t>Elementos não posicionados no lugar que as pessoas esperam; e</a:t>
             </a:r>
           </a:p>
@@ -8524,7 +8103,7 @@
               <a:buChar char="•"/>
             </a:pPr>
             <a:r>
-              <a:rPr lang="pt-BR" dirty="0" smtClean="0"/>
+              <a:rPr lang="pt-BR" dirty="0"/>
               <a:t>Muitos elementos na página.</a:t>
             </a:r>
           </a:p>
@@ -8576,10 +8155,9 @@
           <a:lstStyle/>
           <a:p>
             <a:r>
-              <a:rPr lang="pt-BR" dirty="0" smtClean="0"/>
+              <a:rPr lang="pt-BR" dirty="0"/>
               <a:t>O princípio CRAP</a:t>
             </a:r>
-            <a:endParaRPr lang="pt-BR" dirty="0"/>
           </a:p>
         </p:txBody>
       </p:sp>
@@ -8603,7 +8181,7 @@
               <a:buChar char="•"/>
             </a:pPr>
             <a:r>
-              <a:rPr lang="pt-BR" dirty="0" smtClean="0"/>
+              <a:rPr lang="pt-BR" dirty="0"/>
               <a:t>Contraste;</a:t>
             </a:r>
           </a:p>
@@ -8613,7 +8191,7 @@
               <a:buChar char="•"/>
             </a:pPr>
             <a:r>
-              <a:rPr lang="pt-BR" dirty="0" smtClean="0"/>
+              <a:rPr lang="pt-BR" dirty="0"/>
               <a:t>Repetição;</a:t>
             </a:r>
           </a:p>
@@ -8623,7 +8201,7 @@
               <a:buChar char="•"/>
             </a:pPr>
             <a:r>
-              <a:rPr lang="pt-BR" dirty="0" smtClean="0"/>
+              <a:rPr lang="pt-BR" dirty="0"/>
               <a:t>Alinhamento; e</a:t>
             </a:r>
           </a:p>
@@ -8633,7 +8211,7 @@
               <a:buChar char="•"/>
             </a:pPr>
             <a:r>
-              <a:rPr lang="pt-BR" smtClean="0"/>
+              <a:rPr lang="pt-BR"/>
               <a:t>Proximidade.</a:t>
             </a:r>
             <a:endParaRPr lang="pt-BR" dirty="0"/>
@@ -8686,10 +8264,9 @@
           <a:lstStyle/>
           <a:p>
             <a:r>
-              <a:rPr lang="pt-BR" dirty="0" smtClean="0"/>
+              <a:rPr lang="pt-BR" dirty="0"/>
               <a:t>Contraste</a:t>
             </a:r>
-            <a:endParaRPr lang="pt-BR" dirty="0"/>
           </a:p>
         </p:txBody>
       </p:sp>
@@ -8714,26 +8291,9 @@
           <a:lstStyle/>
           <a:p>
             <a:r>
-              <a:rPr lang="pt-BR" dirty="0" smtClean="0"/>
-              <a:t>Direciona o </a:t>
-            </a:r>
-            <a:r>
               <a:rPr lang="pt-BR" dirty="0"/>
-              <a:t>usuário para as </a:t>
-            </a:r>
-            <a:r>
-              <a:rPr lang="pt-BR" dirty="0" smtClean="0"/>
-              <a:t>áreas importantes </a:t>
-            </a:r>
-            <a:r>
-              <a:rPr lang="pt-BR" dirty="0"/>
-              <a:t>da </a:t>
-            </a:r>
-            <a:r>
-              <a:rPr lang="pt-BR" dirty="0" smtClean="0"/>
-              <a:t>interface.</a:t>
-            </a:r>
-            <a:endParaRPr lang="pt-BR" dirty="0"/>
+              <a:t>Direciona o usuário para as áreas importantes da interface.</a:t>
+            </a:r>
           </a:p>
         </p:txBody>
       </p:sp>
@@ -8824,10 +8384,9 @@
           <a:lstStyle/>
           <a:p>
             <a:r>
-              <a:rPr lang="pt-BR" dirty="0" smtClean="0"/>
+              <a:rPr lang="pt-BR" dirty="0"/>
               <a:t>Repetição</a:t>
             </a:r>
-            <a:endParaRPr lang="pt-BR" dirty="0"/>
           </a:p>
         </p:txBody>
       </p:sp>
@@ -8854,28 +8413,8 @@
           <a:lstStyle/>
           <a:p>
             <a:r>
-              <a:rPr lang="pt-BR" dirty="0" smtClean="0"/>
-              <a:t>Áreas diferentes devem usar </a:t>
-            </a:r>
-            <a:r>
               <a:rPr lang="pt-BR" dirty="0"/>
-              <a:t>a mesma abordagem de design e um mesmo elemento </a:t>
-            </a:r>
-            <a:r>
-              <a:rPr lang="pt-BR" dirty="0" smtClean="0"/>
-              <a:t>deve </a:t>
-            </a:r>
-            <a:r>
-              <a:rPr lang="pt-BR" dirty="0"/>
-              <a:t>transmitir a mesma </a:t>
-            </a:r>
-            <a:r>
-              <a:rPr lang="pt-BR" dirty="0" smtClean="0"/>
-              <a:t>ideia </a:t>
-            </a:r>
-            <a:r>
-              <a:rPr lang="pt-BR" dirty="0"/>
-              <a:t>em qualquer parte da aplicação.</a:t>
+              <a:t>Áreas diferentes devem usar a mesma abordagem de design e um mesmo elemento deve transmitir a mesma ideia em qualquer parte da aplicação.</a:t>
             </a:r>
           </a:p>
         </p:txBody>
@@ -8967,10 +8506,9 @@
           <a:lstStyle/>
           <a:p>
             <a:r>
-              <a:rPr lang="pt-BR" dirty="0" smtClean="0"/>
+              <a:rPr lang="pt-BR" dirty="0"/>
               <a:t>Alinhamento</a:t>
             </a:r>
-            <a:endParaRPr lang="pt-BR" dirty="0"/>
           </a:p>
         </p:txBody>
       </p:sp>
@@ -8997,18 +8535,9 @@
           <a:lstStyle/>
           <a:p>
             <a:r>
-              <a:rPr lang="pt-BR" dirty="0" smtClean="0"/>
-              <a:t>Fornece </a:t>
-            </a:r>
-            <a:r>
               <a:rPr lang="pt-BR" dirty="0"/>
-              <a:t>uma âncora visual e faz a página parecer mais unificada</a:t>
-            </a:r>
-            <a:r>
-              <a:rPr lang="pt-BR" dirty="0" smtClean="0"/>
-              <a:t>.</a:t>
-            </a:r>
-            <a:endParaRPr lang="pt-BR" dirty="0"/>
+              <a:t>Fornece uma âncora visual e faz a página parecer mais unificada.</a:t>
+            </a:r>
           </a:p>
         </p:txBody>
       </p:sp>
@@ -9099,10 +8628,9 @@
           <a:lstStyle/>
           <a:p>
             <a:r>
-              <a:rPr lang="pt-BR" dirty="0" smtClean="0"/>
+              <a:rPr lang="pt-BR" dirty="0"/>
               <a:t>Proximidade</a:t>
             </a:r>
-            <a:endParaRPr lang="pt-BR" dirty="0"/>
           </a:p>
         </p:txBody>
       </p:sp>
@@ -9129,12 +8657,8 @@
           <a:lstStyle/>
           <a:p>
             <a:r>
-              <a:rPr lang="pt-BR" dirty="0" smtClean="0"/>
-              <a:t>Trabalha </a:t>
-            </a:r>
-            <a:r>
               <a:rPr lang="pt-BR" dirty="0"/>
-              <a:t>em conjunto com o alinhamento, onde os elementos relacionados devem também se relacionar visualmente, através da aproximação.</a:t>
+              <a:t>Trabalha em conjunto com o alinhamento, onde os elementos relacionados devem também se relacionar visualmente, através da aproximação.</a:t>
             </a:r>
           </a:p>
         </p:txBody>
@@ -9226,10 +8750,9 @@
           <a:lstStyle/>
           <a:p>
             <a:r>
-              <a:rPr lang="pt-BR" dirty="0" smtClean="0"/>
+              <a:rPr lang="pt-BR" dirty="0"/>
               <a:t>Avaliação Heurística</a:t>
             </a:r>
-            <a:endParaRPr lang="pt-BR" dirty="0"/>
           </a:p>
         </p:txBody>
       </p:sp>
@@ -9250,11 +8773,7 @@
           <a:p>
             <a:r>
               <a:rPr lang="pt-BR" dirty="0"/>
-              <a:t>Conjunto de princípios de usabilidade conhecido como </a:t>
-            </a:r>
-            <a:r>
-              <a:rPr lang="pt-BR" dirty="0" smtClean="0"/>
-              <a:t>heurísticas.</a:t>
+              <a:t>Conjunto de princípios de usabilidade conhecido como heurísticas.</a:t>
             </a:r>
           </a:p>
           <a:p>
@@ -9271,13 +8790,8 @@
             </a:r>
             <a:r>
               <a:rPr lang="pt-BR" dirty="0"/>
-              <a:t>) que orientam os avaliadores enquanto percorrem uma interface buscando problemas e </a:t>
-            </a:r>
-            <a:r>
-              <a:rPr lang="pt-BR" dirty="0" smtClean="0"/>
-              <a:t>deficiências.</a:t>
-            </a:r>
-            <a:endParaRPr lang="pt-BR" dirty="0"/>
+              <a:t>) que orientam os avaliadores enquanto percorrem uma interface buscando problemas e deficiências.</a:t>
+            </a:r>
           </a:p>
         </p:txBody>
       </p:sp>
@@ -9291,13 +8805,6 @@
   <p:clrMapOvr>
     <a:masterClrMapping/>
   </p:clrMapOvr>
-  <p:timing>
-    <p:tnLst>
-      <p:par>
-        <p:cTn id="1" dur="indefinite" restart="never" nodeType="tmRoot"/>
-      </p:par>
-    </p:tnLst>
-  </p:timing>
 </p:sld>
 </file>
 
@@ -9381,13 +8888,8 @@
             </a:pPr>
             <a:r>
               <a:rPr lang="pt-BR" dirty="0"/>
-              <a:t>O avaliador localiza os erros e verifica sua gravidade conforme os graus de severidade que podem variar numa escala de zero (0) a quatro (4</a:t>
-            </a:r>
-            <a:r>
-              <a:rPr lang="pt-BR" dirty="0" smtClean="0"/>
-              <a:t>).</a:t>
-            </a:r>
-            <a:endParaRPr lang="pt-BR" dirty="0"/>
+              <a:t>O avaliador localiza os erros e verifica sua gravidade conforme os graus de severidade que podem variar numa escala de zero (0) a quatro (4).</a:t>
+            </a:r>
           </a:p>
         </p:txBody>
       </p:sp>
@@ -9936,10 +9438,9 @@
           <a:lstStyle/>
           <a:p>
             <a:r>
-              <a:rPr lang="pt-BR" dirty="0" smtClean="0"/>
+              <a:rPr lang="pt-BR" dirty="0"/>
               <a:t>IHC</a:t>
             </a:r>
-            <a:endParaRPr lang="pt-BR" dirty="0"/>
           </a:p>
         </p:txBody>
       </p:sp>
@@ -10038,11 +9539,7 @@
             </a:r>
             <a:r>
               <a:rPr lang="pt-BR" dirty="0"/>
-              <a:t> O sistema deve manter os usuários informados sobre o que está acontecendo, através de feedback apropriado em tempo </a:t>
-            </a:r>
-            <a:r>
-              <a:rPr lang="pt-BR" dirty="0" smtClean="0"/>
-              <a:t>razoável.</a:t>
+              <a:t> O sistema deve manter os usuários informados sobre o que está acontecendo, através de feedback apropriado em tempo razoável.</a:t>
             </a:r>
           </a:p>
         </p:txBody>
@@ -10119,18 +9616,14 @@
               <a:t>Correspondência entre a interface do sistema e o mundo real:</a:t>
             </a:r>
             <a:r>
-              <a:rPr lang="pt-BR" dirty="0" smtClean="0"/>
+              <a:rPr lang="pt-BR" dirty="0"/>
               <a:t> </a:t>
             </a:r>
             <a:r>
               <a:rPr lang="pt-BR" altLang="pt-BR" dirty="0"/>
-              <a:t>O sistema deve falar a linguagem dos usuários, com palavras, frases e conceitos familiares ao invés de termos orientados ao </a:t>
-            </a:r>
-            <a:r>
-              <a:rPr lang="pt-BR" altLang="pt-BR" dirty="0" smtClean="0"/>
-              <a:t>sistema.</a:t>
-            </a:r>
-            <a:endParaRPr lang="pt-BR" dirty="0" smtClean="0"/>
+              <a:t>O sistema deve falar a linguagem dos usuários, com palavras, frases e conceitos familiares ao invés de termos orientados ao sistema.</a:t>
+            </a:r>
+            <a:endParaRPr lang="pt-BR" dirty="0"/>
           </a:p>
         </p:txBody>
       </p:sp>
@@ -10206,14 +9699,14 @@
               <a:t>Controle do usuário e liberdade:</a:t>
             </a:r>
             <a:r>
-              <a:rPr lang="pt-BR" dirty="0" smtClean="0"/>
+              <a:rPr lang="pt-BR" dirty="0"/>
               <a:t> </a:t>
             </a:r>
             <a:r>
               <a:rPr lang="pt-BR" altLang="pt-BR" dirty="0"/>
               <a:t>Usuários frequentemente escolhem funções do sistema por engano e precisa de uma "saída de emergência" sem ter que passar por um extenso diálogo. Permita fazer e desfazer a ação no sistema quando estiver perdido ou em situações inesperadas.</a:t>
             </a:r>
-            <a:endParaRPr lang="pt-BR" dirty="0" smtClean="0"/>
+            <a:endParaRPr lang="pt-BR" dirty="0"/>
           </a:p>
         </p:txBody>
       </p:sp>
@@ -10289,14 +9782,14 @@
               <a:t>Consistência e padrões:</a:t>
             </a:r>
             <a:r>
-              <a:rPr lang="pt-BR" dirty="0" smtClean="0"/>
+              <a:rPr lang="pt-BR" dirty="0"/>
               <a:t> </a:t>
             </a:r>
             <a:r>
               <a:rPr lang="pt-BR" altLang="pt-BR" dirty="0"/>
               <a:t>Fale a mesma língua o tempo todo e nunca identifique uma mesma ação com ícones ou palavras diferentes. Trate coisas similares, da mesma maneira, facilitando a identificação do usuário.</a:t>
             </a:r>
-            <a:endParaRPr lang="pt-BR" dirty="0" smtClean="0"/>
+            <a:endParaRPr lang="pt-BR" dirty="0"/>
           </a:p>
         </p:txBody>
       </p:sp>
@@ -10372,14 +9865,14 @@
               <a:t>Prevenção de erros:</a:t>
             </a:r>
             <a:r>
-              <a:rPr lang="pt-BR" dirty="0" smtClean="0"/>
+              <a:rPr lang="pt-BR" dirty="0"/>
               <a:t> </a:t>
             </a:r>
             <a:r>
               <a:rPr lang="pt-BR" altLang="pt-BR" dirty="0"/>
               <a:t>Ainda melhor do que boa mensagem de erro é um projeto cuidadoso que impede que um problema ocorra em primeiro lugar.</a:t>
             </a:r>
-            <a:endParaRPr lang="pt-BR" dirty="0" smtClean="0"/>
+            <a:endParaRPr lang="pt-BR" dirty="0"/>
           </a:p>
         </p:txBody>
       </p:sp>
@@ -10455,14 +9948,14 @@
               <a:t>Reconhecimento em vez de lembrança:</a:t>
             </a:r>
             <a:r>
-              <a:rPr lang="pt-BR" dirty="0" smtClean="0"/>
+              <a:rPr lang="pt-BR" dirty="0"/>
               <a:t> </a:t>
             </a:r>
             <a:r>
               <a:rPr lang="pt-BR" altLang="pt-BR" dirty="0"/>
               <a:t>Minimizar a carga da memória do usuário. Permita que a interface ofereça ajuda capaz de orientar o usuário. Instruções para uso do sistema devem estar visíveis e facilmente recuperáveis ​​quando necessário. Dialogue com o usuário.</a:t>
             </a:r>
-            <a:endParaRPr lang="pt-BR" dirty="0" smtClean="0"/>
+            <a:endParaRPr lang="pt-BR" dirty="0"/>
           </a:p>
         </p:txBody>
       </p:sp>
@@ -10538,14 +10031,14 @@
               <a:t>Flexibilidade e eficiência de utilização:</a:t>
             </a:r>
             <a:r>
-              <a:rPr lang="pt-BR" dirty="0" smtClean="0"/>
+              <a:rPr lang="pt-BR" dirty="0"/>
               <a:t> </a:t>
             </a:r>
             <a:r>
               <a:rPr lang="pt-BR" altLang="pt-BR" dirty="0"/>
               <a:t>O sistema precisa ser fácil para usuários leigos, mas flexível o bastante para se tornar ágil a usuários experientes. Permitir aos usuários personalizar ações frequentes.</a:t>
             </a:r>
-            <a:endParaRPr lang="pt-BR" dirty="0" smtClean="0"/>
+            <a:endParaRPr lang="pt-BR" dirty="0"/>
           </a:p>
         </p:txBody>
       </p:sp>
@@ -10621,14 +10114,14 @@
               <a:t>Estética e design minimalista:</a:t>
             </a:r>
             <a:r>
-              <a:rPr lang="pt-BR" dirty="0" smtClean="0"/>
+              <a:rPr lang="pt-BR" dirty="0"/>
               <a:t> </a:t>
             </a:r>
             <a:r>
               <a:rPr lang="pt-BR" altLang="pt-BR" dirty="0"/>
               <a:t>Evite que os textos e o design falem mais do que o usuário necessita saber. Os diálogos não devem conter informação irrelevante ou raramente necessária.</a:t>
             </a:r>
-            <a:endParaRPr lang="pt-BR" dirty="0" smtClean="0"/>
+            <a:endParaRPr lang="pt-BR" dirty="0"/>
           </a:p>
         </p:txBody>
       </p:sp>
@@ -10704,14 +10197,14 @@
               <a:t>Ajude os usuários a reconhecer, diagnosticar e recuperar erros:</a:t>
             </a:r>
             <a:r>
-              <a:rPr lang="pt-BR" dirty="0" smtClean="0"/>
+              <a:rPr lang="pt-BR" dirty="0"/>
               <a:t> </a:t>
             </a:r>
             <a:r>
               <a:rPr lang="pt-BR" altLang="pt-BR" dirty="0"/>
               <a:t>Mensagens de erro devem ser expressas em linguagem clara (sem códigos), indicar com precisão o problema e construtivamente sugerir uma solução.</a:t>
             </a:r>
-            <a:endParaRPr lang="pt-BR" dirty="0" smtClean="0"/>
+            <a:endParaRPr lang="pt-BR" dirty="0"/>
           </a:p>
         </p:txBody>
       </p:sp>
@@ -10784,21 +10277,17 @@
           <a:p>
             <a:r>
               <a:rPr lang="pt-BR" b="1" dirty="0"/>
-              <a:t>Ajuda e </a:t>
-            </a:r>
-            <a:r>
-              <a:rPr lang="pt-BR" b="1" dirty="0" smtClean="0"/>
-              <a:t>documentação:</a:t>
-            </a:r>
-            <a:r>
-              <a:rPr lang="pt-BR" dirty="0" smtClean="0"/>
+              <a:t>Ajuda e documentação:</a:t>
+            </a:r>
+            <a:r>
+              <a:rPr lang="pt-BR" dirty="0"/>
               <a:t> </a:t>
             </a:r>
             <a:r>
               <a:rPr lang="pt-BR" altLang="pt-BR" dirty="0"/>
               <a:t>Um bom design deveria evitar ao máximo à necessidade de ajuda na utilização do sistema. Ainda assim, um bom conjunto de documentação e ajuda deve ser utilizada para orientar o usuário em caso de dúvida. Deve ser visível, facilmente acessada, e oferecer uma ferramenta de busca na ajuda.</a:t>
             </a:r>
-            <a:endParaRPr lang="pt-BR" dirty="0" smtClean="0"/>
+            <a:endParaRPr lang="pt-BR" dirty="0"/>
           </a:p>
         </p:txBody>
       </p:sp>
@@ -10848,10 +10337,9 @@
           <a:lstStyle/>
           <a:p>
             <a:r>
-              <a:rPr lang="pt-BR" dirty="0" smtClean="0"/>
+              <a:rPr lang="pt-BR" dirty="0"/>
               <a:t>IHC</a:t>
             </a:r>
-            <a:endParaRPr lang="pt-BR" dirty="0"/>
           </a:p>
         </p:txBody>
       </p:sp>
@@ -10894,13 +10382,6 @@
   <p:clrMapOvr>
     <a:masterClrMapping/>
   </p:clrMapOvr>
-  <p:timing>
-    <p:tnLst>
-      <p:par>
-        <p:cTn id="1" dur="indefinite" restart="never" nodeType="tmRoot"/>
-      </p:par>
-    </p:tnLst>
-  </p:timing>
 </p:sld>
 </file>
 
@@ -11045,10 +10526,9 @@
           <a:lstStyle/>
           <a:p>
             <a:r>
-              <a:rPr lang="pt-BR" dirty="0" smtClean="0"/>
+              <a:rPr lang="pt-BR" dirty="0"/>
               <a:t>Usabilidade</a:t>
             </a:r>
-            <a:endParaRPr lang="pt-BR" dirty="0"/>
           </a:p>
         </p:txBody>
       </p:sp>
@@ -11068,10 +10548,9 @@
           <a:lstStyle/>
           <a:p>
             <a:r>
-              <a:rPr lang="pt-BR" dirty="0" smtClean="0"/>
+              <a:rPr lang="pt-BR" dirty="0"/>
               <a:t>É um atributo de qualidade relacionado à facilidade do uso de algo. Mais especificamente, refere-se à rapidez com que os usuários podem aprender a usar alguma coisa, a eficiência deles ao usá-la, o quanto lembram daquilo, seu grau de propensão a erros e o quanto gostam de utilizá-la.</a:t>
             </a:r>
-            <a:endParaRPr lang="pt-BR" dirty="0"/>
           </a:p>
         </p:txBody>
       </p:sp>
@@ -11085,13 +10564,6 @@
   <p:clrMapOvr>
     <a:masterClrMapping/>
   </p:clrMapOvr>
-  <p:timing>
-    <p:tnLst>
-      <p:par>
-        <p:cTn id="1" dur="indefinite" restart="never" nodeType="tmRoot"/>
-      </p:par>
-    </p:tnLst>
-  </p:timing>
 </p:sld>
 </file>
 
@@ -11128,10 +10600,9 @@
           <a:lstStyle/>
           <a:p>
             <a:r>
-              <a:rPr lang="pt-BR" dirty="0" smtClean="0"/>
+              <a:rPr lang="pt-BR" dirty="0"/>
               <a:t>Usabilidade</a:t>
             </a:r>
-            <a:endParaRPr lang="pt-BR" dirty="0"/>
           </a:p>
         </p:txBody>
       </p:sp>
@@ -11201,13 +10672,6 @@
   <p:clrMapOvr>
     <a:masterClrMapping/>
   </p:clrMapOvr>
-  <p:timing>
-    <p:tnLst>
-      <p:par>
-        <p:cTn id="1" dur="indefinite" restart="never" nodeType="tmRoot"/>
-      </p:par>
-    </p:tnLst>
-  </p:timing>
 </p:sld>
 </file>
 
@@ -11244,10 +10708,9 @@
           <a:lstStyle/>
           <a:p>
             <a:r>
-              <a:rPr lang="pt-BR" dirty="0" smtClean="0"/>
+              <a:rPr lang="pt-BR" dirty="0"/>
               <a:t>Usabilidade</a:t>
             </a:r>
-            <a:endParaRPr lang="pt-BR" dirty="0"/>
           </a:p>
         </p:txBody>
       </p:sp>
@@ -11317,13 +10780,6 @@
   <p:clrMapOvr>
     <a:masterClrMapping/>
   </p:clrMapOvr>
-  <p:timing>
-    <p:tnLst>
-      <p:par>
-        <p:cTn id="1" dur="indefinite" restart="never" nodeType="tmRoot"/>
-      </p:par>
-    </p:tnLst>
-  </p:timing>
 </p:sld>
 </file>
 
@@ -11360,10 +10816,9 @@
           <a:lstStyle/>
           <a:p>
             <a:r>
-              <a:rPr lang="pt-BR" dirty="0" smtClean="0"/>
+              <a:rPr lang="pt-BR" dirty="0"/>
               <a:t>Usabilidade</a:t>
             </a:r>
-            <a:endParaRPr lang="pt-BR" dirty="0"/>
           </a:p>
         </p:txBody>
       </p:sp>
@@ -11477,17 +10932,8 @@
             </a:pPr>
             <a:r>
               <a:rPr lang="pt-BR" dirty="0"/>
-              <a:t>Perda de tempo com interfaces mal </a:t>
-            </a:r>
-            <a:r>
-              <a:rPr lang="pt-BR" dirty="0" smtClean="0"/>
-              <a:t>elaboradas</a:t>
-            </a:r>
-            <a:r>
-              <a:rPr lang="pt-BR" dirty="0"/>
-              <a:t>.</a:t>
-            </a:r>
-            <a:endParaRPr lang="pt-BR" dirty="0" smtClean="0"/>
+              <a:t>Perda de tempo com interfaces mal elaboradas.</a:t>
+            </a:r>
           </a:p>
         </p:txBody>
       </p:sp>
@@ -11501,13 +10947,6 @@
   <p:clrMapOvr>
     <a:masterClrMapping/>
   </p:clrMapOvr>
-  <p:timing>
-    <p:tnLst>
-      <p:par>
-        <p:cTn id="1" dur="indefinite" restart="never" nodeType="tmRoot"/>
-      </p:par>
-    </p:tnLst>
-  </p:timing>
 </p:sld>
 </file>
 
@@ -11544,10 +10983,9 @@
           <a:lstStyle/>
           <a:p>
             <a:r>
-              <a:rPr lang="pt-BR" dirty="0" smtClean="0"/>
+              <a:rPr lang="pt-BR" dirty="0"/>
               <a:t>Usabilidade: Objetivo</a:t>
             </a:r>
-            <a:endParaRPr lang="pt-BR" dirty="0"/>
           </a:p>
         </p:txBody>
       </p:sp>
@@ -11567,18 +11005,9 @@
           <a:lstStyle/>
           <a:p>
             <a:r>
-              <a:rPr lang="pt-BR" dirty="0" smtClean="0"/>
-              <a:t>Elaborar </a:t>
-            </a:r>
-            <a:r>
               <a:rPr lang="pt-BR" dirty="0"/>
-              <a:t>interfaces capazes de permitir ao usuário pleno controle do ambiente sem se tornar um obstáculo durante a </a:t>
-            </a:r>
-            <a:r>
-              <a:rPr lang="pt-BR" dirty="0" smtClean="0"/>
-              <a:t>interação.</a:t>
-            </a:r>
-            <a:endParaRPr lang="pt-BR" dirty="0"/>
+              <a:t>Elaborar interfaces capazes de permitir ao usuário pleno controle do ambiente sem se tornar um obstáculo durante a interação.</a:t>
+            </a:r>
           </a:p>
         </p:txBody>
       </p:sp>
@@ -11592,13 +11021,6 @@
   <p:clrMapOvr>
     <a:masterClrMapping/>
   </p:clrMapOvr>
-  <p:timing>
-    <p:tnLst>
-      <p:par>
-        <p:cTn id="1" dur="indefinite" restart="never" nodeType="tmRoot"/>
-      </p:par>
-    </p:tnLst>
-  </p:timing>
 </p:sld>
 </file>
 

--- a/hci.pptx
+++ b/hci.pptx
@@ -3220,7 +3220,7 @@
           <a:p>
             <a:fld id="{94D3EB41-CF60-4C9F-BD83-AE56FA0945EB}" type="datetimeFigureOut">
               <a:rPr lang="pt-BR" smtClean="0"/>
-              <a:t>19/08/2020</a:t>
+              <a:t>20/08/2020</a:t>
             </a:fld>
             <a:endParaRPr lang="pt-BR"/>
           </a:p>
@@ -3733,7 +3733,7 @@
           <a:p>
             <a:fld id="{9642BF85-54FF-46CE-B398-87F998CFD60B}" type="datetimeFigureOut">
               <a:rPr lang="pt-BR" smtClean="0"/>
-              <a:t>19/08/2020</a:t>
+              <a:t>20/08/2020</a:t>
             </a:fld>
             <a:endParaRPr lang="pt-BR"/>
           </a:p>
@@ -3901,7 +3901,7 @@
           <a:p>
             <a:fld id="{9642BF85-54FF-46CE-B398-87F998CFD60B}" type="datetimeFigureOut">
               <a:rPr lang="pt-BR" smtClean="0"/>
-              <a:t>19/08/2020</a:t>
+              <a:t>20/08/2020</a:t>
             </a:fld>
             <a:endParaRPr lang="pt-BR"/>
           </a:p>
@@ -4079,7 +4079,7 @@
           <a:p>
             <a:fld id="{9642BF85-54FF-46CE-B398-87F998CFD60B}" type="datetimeFigureOut">
               <a:rPr lang="pt-BR" smtClean="0"/>
-              <a:t>19/08/2020</a:t>
+              <a:t>20/08/2020</a:t>
             </a:fld>
             <a:endParaRPr lang="pt-BR"/>
           </a:p>
@@ -4342,7 +4342,7 @@
           <a:p>
             <a:fld id="{9642BF85-54FF-46CE-B398-87F998CFD60B}" type="datetimeFigureOut">
               <a:rPr lang="pt-BR" smtClean="0"/>
-              <a:t>19/08/2020</a:t>
+              <a:t>20/08/2020</a:t>
             </a:fld>
             <a:endParaRPr lang="pt-BR"/>
           </a:p>
@@ -4613,7 +4613,7 @@
           <a:p>
             <a:fld id="{9642BF85-54FF-46CE-B398-87F998CFD60B}" type="datetimeFigureOut">
               <a:rPr lang="pt-BR" smtClean="0"/>
-              <a:t>19/08/2020</a:t>
+              <a:t>20/08/2020</a:t>
             </a:fld>
             <a:endParaRPr lang="pt-BR"/>
           </a:p>
@@ -4859,7 +4859,7 @@
           <a:p>
             <a:fld id="{9642BF85-54FF-46CE-B398-87F998CFD60B}" type="datetimeFigureOut">
               <a:rPr lang="pt-BR" smtClean="0"/>
-              <a:t>19/08/2020</a:t>
+              <a:t>20/08/2020</a:t>
             </a:fld>
             <a:endParaRPr lang="pt-BR"/>
           </a:p>
@@ -5223,7 +5223,7 @@
           <a:p>
             <a:fld id="{9642BF85-54FF-46CE-B398-87F998CFD60B}" type="datetimeFigureOut">
               <a:rPr lang="pt-BR" smtClean="0"/>
-              <a:t>19/08/2020</a:t>
+              <a:t>20/08/2020</a:t>
             </a:fld>
             <a:endParaRPr lang="pt-BR"/>
           </a:p>
@@ -5357,7 +5357,7 @@
           <a:p>
             <a:fld id="{9642BF85-54FF-46CE-B398-87F998CFD60B}" type="datetimeFigureOut">
               <a:rPr lang="pt-BR" smtClean="0"/>
-              <a:t>19/08/2020</a:t>
+              <a:t>20/08/2020</a:t>
             </a:fld>
             <a:endParaRPr lang="pt-BR"/>
           </a:p>
@@ -5452,7 +5452,7 @@
           <a:p>
             <a:fld id="{9642BF85-54FF-46CE-B398-87F998CFD60B}" type="datetimeFigureOut">
               <a:rPr lang="pt-BR" smtClean="0"/>
-              <a:t>19/08/2020</a:t>
+              <a:t>20/08/2020</a:t>
             </a:fld>
             <a:endParaRPr lang="pt-BR"/>
           </a:p>
@@ -5727,7 +5727,7 @@
           <a:p>
             <a:fld id="{9642BF85-54FF-46CE-B398-87F998CFD60B}" type="datetimeFigureOut">
               <a:rPr lang="pt-BR" smtClean="0"/>
-              <a:t>19/08/2020</a:t>
+              <a:t>20/08/2020</a:t>
             </a:fld>
             <a:endParaRPr lang="pt-BR"/>
           </a:p>
@@ -5979,7 +5979,7 @@
           <a:p>
             <a:fld id="{9642BF85-54FF-46CE-B398-87F998CFD60B}" type="datetimeFigureOut">
               <a:rPr lang="pt-BR" smtClean="0"/>
-              <a:t>19/08/2020</a:t>
+              <a:t>20/08/2020</a:t>
             </a:fld>
             <a:endParaRPr lang="pt-BR"/>
           </a:p>
@@ -6199,7 +6199,7 @@
           <a:p>
             <a:fld id="{9642BF85-54FF-46CE-B398-87F998CFD60B}" type="datetimeFigureOut">
               <a:rPr lang="pt-BR" smtClean="0"/>
-              <a:t>19/08/2020</a:t>
+              <a:t>20/08/2020</a:t>
             </a:fld>
             <a:endParaRPr lang="pt-BR"/>
           </a:p>
@@ -6787,7 +6787,7 @@
           <a:p>
             <a:r>
               <a:rPr lang="pt-BR" dirty="0"/>
-              <a:t>Métodos de Trabalho</a:t>
+              <a:t>Fluxo de Trabalho</a:t>
             </a:r>
           </a:p>
         </p:txBody>
@@ -6891,6 +6891,14 @@
   <p:clrMapOvr>
     <a:masterClrMapping/>
   </p:clrMapOvr>
+  <mc:AlternateContent xmlns:mc="http://schemas.openxmlformats.org/markup-compatibility/2006">
+    <mc:Choice xmlns:p14="http://schemas.microsoft.com/office/powerpoint/2010/main" Requires="p14">
+      <p:transition spd="slow" p14:dur="2000" advTm="373328"/>
+    </mc:Choice>
+    <mc:Fallback>
+      <p:transition spd="slow" advTm="373328"/>
+    </mc:Fallback>
+  </mc:AlternateContent>
 </p:sld>
 </file>
 

--- a/hci.pptx
+++ b/hci.pptx
@@ -3220,7 +3220,7 @@
           <a:p>
             <a:fld id="{94D3EB41-CF60-4C9F-BD83-AE56FA0945EB}" type="datetimeFigureOut">
               <a:rPr lang="pt-BR" smtClean="0"/>
-              <a:t>20/08/2020</a:t>
+              <a:t>05/10/2020</a:t>
             </a:fld>
             <a:endParaRPr lang="pt-BR"/>
           </a:p>
@@ -3378,7 +3378,7 @@
           <a:p>
             <a:fld id="{020F486D-935E-4125-8FD7-C735663CC7DE}" type="slidenum">
               <a:rPr lang="pt-BR" smtClean="0"/>
-              <a:t>‹#›</a:t>
+              <a:t>‹nº›</a:t>
             </a:fld>
             <a:endParaRPr lang="pt-BR"/>
           </a:p>
@@ -3733,7 +3733,7 @@
           <a:p>
             <a:fld id="{9642BF85-54FF-46CE-B398-87F998CFD60B}" type="datetimeFigureOut">
               <a:rPr lang="pt-BR" smtClean="0"/>
-              <a:t>20/08/2020</a:t>
+              <a:t>05/10/2020</a:t>
             </a:fld>
             <a:endParaRPr lang="pt-BR"/>
           </a:p>
@@ -3775,7 +3775,7 @@
           <a:p>
             <a:fld id="{29185252-FBA3-417A-8652-C405B89605D8}" type="slidenum">
               <a:rPr lang="pt-BR" smtClean="0"/>
-              <a:t>‹#›</a:t>
+              <a:t>‹nº›</a:t>
             </a:fld>
             <a:endParaRPr lang="pt-BR"/>
           </a:p>
@@ -3901,7 +3901,7 @@
           <a:p>
             <a:fld id="{9642BF85-54FF-46CE-B398-87F998CFD60B}" type="datetimeFigureOut">
               <a:rPr lang="pt-BR" smtClean="0"/>
-              <a:t>20/08/2020</a:t>
+              <a:t>05/10/2020</a:t>
             </a:fld>
             <a:endParaRPr lang="pt-BR"/>
           </a:p>
@@ -3943,7 +3943,7 @@
           <a:p>
             <a:fld id="{29185252-FBA3-417A-8652-C405B89605D8}" type="slidenum">
               <a:rPr lang="pt-BR" smtClean="0"/>
-              <a:t>‹#›</a:t>
+              <a:t>‹nº›</a:t>
             </a:fld>
             <a:endParaRPr lang="pt-BR"/>
           </a:p>
@@ -4079,7 +4079,7 @@
           <a:p>
             <a:fld id="{9642BF85-54FF-46CE-B398-87F998CFD60B}" type="datetimeFigureOut">
               <a:rPr lang="pt-BR" smtClean="0"/>
-              <a:t>20/08/2020</a:t>
+              <a:t>05/10/2020</a:t>
             </a:fld>
             <a:endParaRPr lang="pt-BR"/>
           </a:p>
@@ -4121,7 +4121,7 @@
           <a:p>
             <a:fld id="{29185252-FBA3-417A-8652-C405B89605D8}" type="slidenum">
               <a:rPr lang="pt-BR" smtClean="0"/>
-              <a:t>‹#›</a:t>
+              <a:t>‹nº›</a:t>
             </a:fld>
             <a:endParaRPr lang="pt-BR"/>
           </a:p>
@@ -4342,7 +4342,7 @@
           <a:p>
             <a:fld id="{9642BF85-54FF-46CE-B398-87F998CFD60B}" type="datetimeFigureOut">
               <a:rPr lang="pt-BR" smtClean="0"/>
-              <a:t>20/08/2020</a:t>
+              <a:t>05/10/2020</a:t>
             </a:fld>
             <a:endParaRPr lang="pt-BR"/>
           </a:p>
@@ -4384,7 +4384,7 @@
           <a:p>
             <a:fld id="{29185252-FBA3-417A-8652-C405B89605D8}" type="slidenum">
               <a:rPr lang="pt-BR" smtClean="0"/>
-              <a:t>‹#›</a:t>
+              <a:t>‹nº›</a:t>
             </a:fld>
             <a:endParaRPr lang="pt-BR"/>
           </a:p>
@@ -4613,7 +4613,7 @@
           <a:p>
             <a:fld id="{9642BF85-54FF-46CE-B398-87F998CFD60B}" type="datetimeFigureOut">
               <a:rPr lang="pt-BR" smtClean="0"/>
-              <a:t>20/08/2020</a:t>
+              <a:t>05/10/2020</a:t>
             </a:fld>
             <a:endParaRPr lang="pt-BR"/>
           </a:p>
@@ -4655,7 +4655,7 @@
           <a:p>
             <a:fld id="{29185252-FBA3-417A-8652-C405B89605D8}" type="slidenum">
               <a:rPr lang="pt-BR" smtClean="0"/>
-              <a:t>‹#›</a:t>
+              <a:t>‹nº›</a:t>
             </a:fld>
             <a:endParaRPr lang="pt-BR"/>
           </a:p>
@@ -4859,7 +4859,7 @@
           <a:p>
             <a:fld id="{9642BF85-54FF-46CE-B398-87F998CFD60B}" type="datetimeFigureOut">
               <a:rPr lang="pt-BR" smtClean="0"/>
-              <a:t>20/08/2020</a:t>
+              <a:t>05/10/2020</a:t>
             </a:fld>
             <a:endParaRPr lang="pt-BR"/>
           </a:p>
@@ -4901,7 +4901,7 @@
           <a:p>
             <a:fld id="{29185252-FBA3-417A-8652-C405B89605D8}" type="slidenum">
               <a:rPr lang="pt-BR" smtClean="0"/>
-              <a:t>‹#›</a:t>
+              <a:t>‹nº›</a:t>
             </a:fld>
             <a:endParaRPr lang="pt-BR"/>
           </a:p>
@@ -5223,7 +5223,7 @@
           <a:p>
             <a:fld id="{9642BF85-54FF-46CE-B398-87F998CFD60B}" type="datetimeFigureOut">
               <a:rPr lang="pt-BR" smtClean="0"/>
-              <a:t>20/08/2020</a:t>
+              <a:t>05/10/2020</a:t>
             </a:fld>
             <a:endParaRPr lang="pt-BR"/>
           </a:p>
@@ -5265,7 +5265,7 @@
           <a:p>
             <a:fld id="{29185252-FBA3-417A-8652-C405B89605D8}" type="slidenum">
               <a:rPr lang="pt-BR" smtClean="0"/>
-              <a:t>‹#›</a:t>
+              <a:t>‹nº›</a:t>
             </a:fld>
             <a:endParaRPr lang="pt-BR"/>
           </a:p>
@@ -5357,7 +5357,7 @@
           <a:p>
             <a:fld id="{9642BF85-54FF-46CE-B398-87F998CFD60B}" type="datetimeFigureOut">
               <a:rPr lang="pt-BR" smtClean="0"/>
-              <a:t>20/08/2020</a:t>
+              <a:t>05/10/2020</a:t>
             </a:fld>
             <a:endParaRPr lang="pt-BR"/>
           </a:p>
@@ -5399,7 +5399,7 @@
           <a:p>
             <a:fld id="{29185252-FBA3-417A-8652-C405B89605D8}" type="slidenum">
               <a:rPr lang="pt-BR" smtClean="0"/>
-              <a:t>‹#›</a:t>
+              <a:t>‹nº›</a:t>
             </a:fld>
             <a:endParaRPr lang="pt-BR"/>
           </a:p>
@@ -5452,7 +5452,7 @@
           <a:p>
             <a:fld id="{9642BF85-54FF-46CE-B398-87F998CFD60B}" type="datetimeFigureOut">
               <a:rPr lang="pt-BR" smtClean="0"/>
-              <a:t>20/08/2020</a:t>
+              <a:t>05/10/2020</a:t>
             </a:fld>
             <a:endParaRPr lang="pt-BR"/>
           </a:p>
@@ -5494,7 +5494,7 @@
           <a:p>
             <a:fld id="{29185252-FBA3-417A-8652-C405B89605D8}" type="slidenum">
               <a:rPr lang="pt-BR" smtClean="0"/>
-              <a:t>‹#›</a:t>
+              <a:t>‹nº›</a:t>
             </a:fld>
             <a:endParaRPr lang="pt-BR"/>
           </a:p>
@@ -5727,7 +5727,7 @@
           <a:p>
             <a:fld id="{9642BF85-54FF-46CE-B398-87F998CFD60B}" type="datetimeFigureOut">
               <a:rPr lang="pt-BR" smtClean="0"/>
-              <a:t>20/08/2020</a:t>
+              <a:t>05/10/2020</a:t>
             </a:fld>
             <a:endParaRPr lang="pt-BR"/>
           </a:p>
@@ -5769,7 +5769,7 @@
           <a:p>
             <a:fld id="{29185252-FBA3-417A-8652-C405B89605D8}" type="slidenum">
               <a:rPr lang="pt-BR" smtClean="0"/>
-              <a:t>‹#›</a:t>
+              <a:t>‹nº›</a:t>
             </a:fld>
             <a:endParaRPr lang="pt-BR"/>
           </a:p>
@@ -5979,7 +5979,7 @@
           <a:p>
             <a:fld id="{9642BF85-54FF-46CE-B398-87F998CFD60B}" type="datetimeFigureOut">
               <a:rPr lang="pt-BR" smtClean="0"/>
-              <a:t>20/08/2020</a:t>
+              <a:t>05/10/2020</a:t>
             </a:fld>
             <a:endParaRPr lang="pt-BR"/>
           </a:p>
@@ -6021,7 +6021,7 @@
           <a:p>
             <a:fld id="{29185252-FBA3-417A-8652-C405B89605D8}" type="slidenum">
               <a:rPr lang="pt-BR" smtClean="0"/>
-              <a:t>‹#›</a:t>
+              <a:t>‹nº›</a:t>
             </a:fld>
             <a:endParaRPr lang="pt-BR"/>
           </a:p>
@@ -6199,7 +6199,7 @@
           <a:p>
             <a:fld id="{9642BF85-54FF-46CE-B398-87F998CFD60B}" type="datetimeFigureOut">
               <a:rPr lang="pt-BR" smtClean="0"/>
-              <a:t>20/08/2020</a:t>
+              <a:t>05/10/2020</a:t>
             </a:fld>
             <a:endParaRPr lang="pt-BR"/>
           </a:p>
@@ -6277,7 +6277,7 @@
           <a:p>
             <a:fld id="{29185252-FBA3-417A-8652-C405B89605D8}" type="slidenum">
               <a:rPr lang="pt-BR" smtClean="0"/>
-              <a:t>‹#›</a:t>
+              <a:t>‹nº›</a:t>
             </a:fld>
             <a:endParaRPr lang="pt-BR"/>
           </a:p>
@@ -6891,11 +6891,11 @@
   <p:clrMapOvr>
     <a:masterClrMapping/>
   </p:clrMapOvr>
-  <mc:AlternateContent xmlns:mc="http://schemas.openxmlformats.org/markup-compatibility/2006">
-    <mc:Choice xmlns:p14="http://schemas.microsoft.com/office/powerpoint/2010/main" Requires="p14">
+  <mc:AlternateContent xmlns:mc="http://schemas.openxmlformats.org/markup-compatibility/2006" xmlns:p14="http://schemas.microsoft.com/office/powerpoint/2010/main">
+    <mc:Choice Requires="p14">
       <p:transition spd="slow" p14:dur="2000" advTm="373328"/>
     </mc:Choice>
-    <mc:Fallback>
+    <mc:Fallback xmlns="">
       <p:transition spd="slow" advTm="373328"/>
     </mc:Fallback>
   </mc:AlternateContent>
@@ -7376,6 +7376,51 @@
           </a:extLst>
         </p:spPr>
       </p:pic>
+      <p:sp>
+        <p:nvSpPr>
+          <p:cNvPr id="5" name="CaixaDeTexto 4">
+            <a:extLst>
+              <a:ext uri="{FF2B5EF4-FFF2-40B4-BE49-F238E27FC236}">
+                <a16:creationId xmlns:a16="http://schemas.microsoft.com/office/drawing/2014/main" id="{25056FF2-C6B0-4C36-AB1A-DD03520F4FBE}"/>
+              </a:ext>
+            </a:extLst>
+          </p:cNvPr>
+          <p:cNvSpPr txBox="1"/>
+          <p:nvPr/>
+        </p:nvSpPr>
+        <p:spPr>
+          <a:xfrm>
+            <a:off x="8855243" y="4455230"/>
+            <a:ext cx="1459831" cy="369332"/>
+          </a:xfrm>
+          <a:prstGeom prst="rect">
+            <a:avLst/>
+          </a:prstGeom>
+          <a:noFill/>
+        </p:spPr>
+        <p:txBody>
+          <a:bodyPr wrap="square" rtlCol="0">
+            <a:spAutoFit/>
+          </a:bodyPr>
+          <a:lstStyle/>
+          <a:p>
+            <a:r>
+              <a:rPr lang="pt-BR" dirty="0"/>
+              <a:t>[ </a:t>
+            </a:r>
+            <a:r>
+              <a:rPr lang="pt-BR" dirty="0" err="1">
+                <a:hlinkClick r:id="rId3"/>
+              </a:rPr>
+              <a:t>Trello</a:t>
+            </a:r>
+            <a:r>
+              <a:rPr lang="pt-BR" dirty="0"/>
+              <a:t> ]</a:t>
+            </a:r>
+          </a:p>
+        </p:txBody>
+      </p:sp>
     </p:spTree>
     <p:extLst>
       <p:ext uri="{BB962C8B-B14F-4D97-AF65-F5344CB8AC3E}">
